--- a/BrainScan_19.pptx
+++ b/BrainScan_19.pptx
@@ -299,7 +299,7 @@
           <a:p>
             <a:fld id="{EE895416-E363-4EB7-B047-44D1B519B0DC}" type="datetimeFigureOut">
               <a:rPr lang="es-ES" smtClean="0"/>
-              <a:t>28/06/2019</a:t>
+              <a:t>30/06/2019</a:t>
             </a:fld>
             <a:endParaRPr lang="es-ES"/>
           </a:p>
@@ -597,7 +597,7 @@
           <a:p>
             <a:fld id="{EE895416-E363-4EB7-B047-44D1B519B0DC}" type="datetimeFigureOut">
               <a:rPr lang="es-ES" smtClean="0"/>
-              <a:t>28/06/2019</a:t>
+              <a:t>30/06/2019</a:t>
             </a:fld>
             <a:endParaRPr lang="es-ES"/>
           </a:p>
@@ -789,7 +789,7 @@
           <a:p>
             <a:fld id="{EE895416-E363-4EB7-B047-44D1B519B0DC}" type="datetimeFigureOut">
               <a:rPr lang="es-ES" smtClean="0"/>
-              <a:t>28/06/2019</a:t>
+              <a:t>30/06/2019</a:t>
             </a:fld>
             <a:endParaRPr lang="es-ES"/>
           </a:p>
@@ -1050,7 +1050,7 @@
           <a:p>
             <a:fld id="{EE895416-E363-4EB7-B047-44D1B519B0DC}" type="datetimeFigureOut">
               <a:rPr lang="es-ES" smtClean="0"/>
-              <a:t>28/06/2019</a:t>
+              <a:t>30/06/2019</a:t>
             </a:fld>
             <a:endParaRPr lang="es-ES"/>
           </a:p>
@@ -1474,7 +1474,7 @@
           <a:p>
             <a:fld id="{EE895416-E363-4EB7-B047-44D1B519B0DC}" type="datetimeFigureOut">
               <a:rPr lang="es-ES" smtClean="0"/>
-              <a:t>28/06/2019</a:t>
+              <a:t>30/06/2019</a:t>
             </a:fld>
             <a:endParaRPr lang="es-ES"/>
           </a:p>
@@ -2011,7 +2011,7 @@
           <a:p>
             <a:fld id="{EE895416-E363-4EB7-B047-44D1B519B0DC}" type="datetimeFigureOut">
               <a:rPr lang="es-ES" smtClean="0"/>
-              <a:t>28/06/2019</a:t>
+              <a:t>30/06/2019</a:t>
             </a:fld>
             <a:endParaRPr lang="es-ES"/>
           </a:p>
@@ -2875,7 +2875,7 @@
           <a:p>
             <a:fld id="{EE895416-E363-4EB7-B047-44D1B519B0DC}" type="datetimeFigureOut">
               <a:rPr lang="es-ES" smtClean="0"/>
-              <a:t>28/06/2019</a:t>
+              <a:t>30/06/2019</a:t>
             </a:fld>
             <a:endParaRPr lang="es-ES"/>
           </a:p>
@@ -3045,7 +3045,7 @@
           <a:p>
             <a:fld id="{EE895416-E363-4EB7-B047-44D1B519B0DC}" type="datetimeFigureOut">
               <a:rPr lang="es-ES" smtClean="0"/>
-              <a:t>28/06/2019</a:t>
+              <a:t>30/06/2019</a:t>
             </a:fld>
             <a:endParaRPr lang="es-ES"/>
           </a:p>
@@ -3229,7 +3229,7 @@
           <a:p>
             <a:fld id="{EE895416-E363-4EB7-B047-44D1B519B0DC}" type="datetimeFigureOut">
               <a:rPr lang="es-ES" smtClean="0"/>
-              <a:t>28/06/2019</a:t>
+              <a:t>30/06/2019</a:t>
             </a:fld>
             <a:endParaRPr lang="es-ES"/>
           </a:p>
@@ -3399,7 +3399,7 @@
           <a:p>
             <a:fld id="{EE895416-E363-4EB7-B047-44D1B519B0DC}" type="datetimeFigureOut">
               <a:rPr lang="es-ES" smtClean="0"/>
-              <a:t>28/06/2019</a:t>
+              <a:t>30/06/2019</a:t>
             </a:fld>
             <a:endParaRPr lang="es-ES"/>
           </a:p>
@@ -3643,7 +3643,7 @@
           <a:p>
             <a:fld id="{EE895416-E363-4EB7-B047-44D1B519B0DC}" type="datetimeFigureOut">
               <a:rPr lang="es-ES" smtClean="0"/>
-              <a:t>28/06/2019</a:t>
+              <a:t>30/06/2019</a:t>
             </a:fld>
             <a:endParaRPr lang="es-ES"/>
           </a:p>
@@ -3879,7 +3879,7 @@
           <a:p>
             <a:fld id="{EE895416-E363-4EB7-B047-44D1B519B0DC}" type="datetimeFigureOut">
               <a:rPr lang="es-ES" smtClean="0"/>
-              <a:t>28/06/2019</a:t>
+              <a:t>30/06/2019</a:t>
             </a:fld>
             <a:endParaRPr lang="es-ES"/>
           </a:p>
@@ -4345,7 +4345,7 @@
           <a:p>
             <a:fld id="{EE895416-E363-4EB7-B047-44D1B519B0DC}" type="datetimeFigureOut">
               <a:rPr lang="es-ES" smtClean="0"/>
-              <a:t>28/06/2019</a:t>
+              <a:t>30/06/2019</a:t>
             </a:fld>
             <a:endParaRPr lang="es-ES"/>
           </a:p>
@@ -4463,7 +4463,7 @@
           <a:p>
             <a:fld id="{EE895416-E363-4EB7-B047-44D1B519B0DC}" type="datetimeFigureOut">
               <a:rPr lang="es-ES" smtClean="0"/>
-              <a:t>28/06/2019</a:t>
+              <a:t>30/06/2019</a:t>
             </a:fld>
             <a:endParaRPr lang="es-ES"/>
           </a:p>
@@ -4558,7 +4558,7 @@
           <a:p>
             <a:fld id="{EE895416-E363-4EB7-B047-44D1B519B0DC}" type="datetimeFigureOut">
               <a:rPr lang="es-ES" smtClean="0"/>
-              <a:t>28/06/2019</a:t>
+              <a:t>30/06/2019</a:t>
             </a:fld>
             <a:endParaRPr lang="es-ES"/>
           </a:p>
@@ -4813,7 +4813,7 @@
           <a:p>
             <a:fld id="{EE895416-E363-4EB7-B047-44D1B519B0DC}" type="datetimeFigureOut">
               <a:rPr lang="es-ES" smtClean="0"/>
-              <a:t>28/06/2019</a:t>
+              <a:t>30/06/2019</a:t>
             </a:fld>
             <a:endParaRPr lang="es-ES"/>
           </a:p>
@@ -5113,7 +5113,7 @@
           <a:p>
             <a:fld id="{EE895416-E363-4EB7-B047-44D1B519B0DC}" type="datetimeFigureOut">
               <a:rPr lang="es-ES" smtClean="0"/>
-              <a:t>28/06/2019</a:t>
+              <a:t>30/06/2019</a:t>
             </a:fld>
             <a:endParaRPr lang="es-ES"/>
           </a:p>
@@ -5347,7 +5347,7 @@
           <a:p>
             <a:fld id="{EE895416-E363-4EB7-B047-44D1B519B0DC}" type="datetimeFigureOut">
               <a:rPr lang="es-ES" smtClean="0"/>
-              <a:t>28/06/2019</a:t>
+              <a:t>30/06/2019</a:t>
             </a:fld>
             <a:endParaRPr lang="es-ES"/>
           </a:p>
@@ -6566,11 +6566,7 @@
             </a:r>
             <a:r>
               <a:rPr lang="es-ES" dirty="0" smtClean="0"/>
-              <a:t>García, Aitor </a:t>
-            </a:r>
-            <a:r>
-              <a:rPr lang="es-ES" dirty="0" smtClean="0"/>
-              <a:t>Jara</a:t>
+              <a:t>García, Aitor Jara</a:t>
             </a:r>
             <a:r>
               <a:rPr lang="es-ES" dirty="0"/>
@@ -6594,13 +6590,8 @@
             </a:r>
             <a:r>
               <a:rPr lang="es-ES" dirty="0" smtClean="0"/>
-              <a:t> and Núria </a:t>
-            </a:r>
-            <a:r>
-              <a:rPr lang="es-ES" dirty="0" smtClean="0"/>
-              <a:t>Sánchez</a:t>
-            </a:r>
-            <a:endParaRPr lang="es-ES" dirty="0" smtClean="0"/>
+              <a:t> and Núria Sánchez</a:t>
+            </a:r>
           </a:p>
           <a:p>
             <a:r>
@@ -6817,14 +6808,19 @@
             <p:ph type="title"/>
           </p:nvPr>
         </p:nvSpPr>
-        <p:spPr/>
+        <p:spPr>
+          <a:xfrm>
+            <a:off x="903162" y="439479"/>
+            <a:ext cx="10353762" cy="970450"/>
+          </a:xfrm>
+        </p:spPr>
         <p:txBody>
           <a:bodyPr/>
           <a:lstStyle/>
           <a:p>
             <a:r>
-              <a:rPr lang="es-ES" dirty="0" err="1" smtClean="0"/>
-              <a:t>Motivation</a:t>
+              <a:rPr lang="es-ES" dirty="0" smtClean="0"/>
+              <a:t>SETTING THE TASK</a:t>
             </a:r>
             <a:endParaRPr lang="es-ES" dirty="0"/>
           </a:p>
@@ -6840,14 +6836,37 @@
             <p:ph idx="1"/>
           </p:nvPr>
         </p:nvSpPr>
-        <p:spPr/>
-        <p:txBody>
-          <a:bodyPr/>
+        <p:spPr>
+          <a:xfrm>
+            <a:off x="913795" y="1402840"/>
+            <a:ext cx="10353762" cy="4058751"/>
+          </a:xfrm>
+        </p:spPr>
+        <p:txBody>
+          <a:bodyPr>
+            <a:normAutofit/>
+          </a:bodyPr>
           <a:lstStyle/>
           <a:p>
             <a:r>
-              <a:rPr lang="es-ES" dirty="0" err="1" smtClean="0"/>
-              <a:t>Bla</a:t>
+              <a:rPr lang="es-ES" b="1" dirty="0" smtClean="0"/>
+              <a:t>GOAL</a:t>
+            </a:r>
+            <a:r>
+              <a:rPr lang="es-ES" dirty="0" smtClean="0"/>
+              <a:t>: </a:t>
+            </a:r>
+            <a:r>
+              <a:rPr lang="es-ES" dirty="0" err="1" smtClean="0"/>
+              <a:t>Segmentation</a:t>
+            </a:r>
+            <a:r>
+              <a:rPr lang="es-ES" dirty="0" smtClean="0"/>
+              <a:t> of </a:t>
+            </a:r>
+            <a:r>
+              <a:rPr lang="es-ES" dirty="0" err="1" smtClean="0"/>
+              <a:t>images</a:t>
             </a:r>
             <a:r>
               <a:rPr lang="es-ES" dirty="0" smtClean="0"/>
@@ -6855,7 +6874,15 @@
             </a:r>
             <a:r>
               <a:rPr lang="es-ES" dirty="0" err="1" smtClean="0"/>
-              <a:t>bla</a:t>
+              <a:t>displaying</a:t>
+            </a:r>
+            <a:r>
+              <a:rPr lang="es-ES" dirty="0" smtClean="0"/>
+              <a:t> a </a:t>
+            </a:r>
+            <a:r>
+              <a:rPr lang="es-ES" dirty="0" err="1" smtClean="0"/>
+              <a:t>brain</a:t>
             </a:r>
             <a:r>
               <a:rPr lang="es-ES" dirty="0" smtClean="0"/>
@@ -6863,7 +6890,53 @@
             </a:r>
             <a:r>
               <a:rPr lang="es-ES" dirty="0" err="1" smtClean="0"/>
-              <a:t>bla</a:t>
+              <a:t>with</a:t>
+            </a:r>
+            <a:r>
+              <a:rPr lang="es-ES" dirty="0" smtClean="0"/>
+              <a:t> a </a:t>
+            </a:r>
+            <a:r>
+              <a:rPr lang="es-ES" dirty="0" err="1" smtClean="0"/>
+              <a:t>tumour</a:t>
+            </a:r>
+            <a:r>
+              <a:rPr lang="es-ES" dirty="0" smtClean="0"/>
+              <a:t>.</a:t>
+            </a:r>
+          </a:p>
+          <a:p>
+            <a:r>
+              <a:rPr lang="es-ES" b="1" dirty="0" smtClean="0"/>
+              <a:t>DATASET</a:t>
+            </a:r>
+            <a:r>
+              <a:rPr lang="es-ES" dirty="0" smtClean="0"/>
+              <a:t>: BRATS </a:t>
+            </a:r>
+            <a:r>
+              <a:rPr lang="es-ES" dirty="0" err="1" smtClean="0"/>
+              <a:t>challenge</a:t>
+            </a:r>
+            <a:endParaRPr lang="es-ES" dirty="0" smtClean="0"/>
+          </a:p>
+          <a:p>
+            <a:pPr lvl="1"/>
+            <a:r>
+              <a:rPr lang="es-ES" dirty="0" smtClean="0"/>
+              <a:t>484 Training </a:t>
+            </a:r>
+            <a:r>
+              <a:rPr lang="es-ES" dirty="0" err="1" smtClean="0"/>
+              <a:t>Patients</a:t>
+            </a:r>
+            <a:r>
+              <a:rPr lang="es-ES" dirty="0" smtClean="0"/>
+              <a:t> &amp; 266 </a:t>
+            </a:r>
+            <a:r>
+              <a:rPr lang="es-ES" dirty="0" err="1" smtClean="0"/>
+              <a:t>Testing</a:t>
             </a:r>
             <a:r>
               <a:rPr lang="es-ES" dirty="0" smtClean="0"/>
@@ -6871,7 +6944,15 @@
             </a:r>
             <a:r>
               <a:rPr lang="es-ES" dirty="0" err="1" smtClean="0"/>
-              <a:t>we</a:t>
+              <a:t>Patients</a:t>
+            </a:r>
+            <a:endParaRPr lang="es-ES" dirty="0" smtClean="0"/>
+          </a:p>
+          <a:p>
+            <a:pPr lvl="1"/>
+            <a:r>
+              <a:rPr lang="es-ES" dirty="0" err="1" smtClean="0"/>
+              <a:t>Information</a:t>
             </a:r>
             <a:r>
               <a:rPr lang="es-ES" dirty="0" smtClean="0"/>
@@ -6879,15 +6960,55 @@
             </a:r>
             <a:r>
               <a:rPr lang="es-ES" dirty="0" err="1" smtClean="0"/>
-              <a:t>wanted</a:t>
+              <a:t>stored</a:t>
             </a:r>
             <a:r>
               <a:rPr lang="es-ES" dirty="0" smtClean="0"/>
-              <a:t> to </a:t>
-            </a:r>
-            <a:r>
-              <a:rPr lang="es-ES" dirty="0" err="1" smtClean="0"/>
-              <a:t>learn</a:t>
+              <a:t> in a single </a:t>
+            </a:r>
+            <a:r>
+              <a:rPr lang="es-ES" dirty="0" err="1" smtClean="0"/>
+              <a:t>patient</a:t>
+            </a:r>
+            <a:r>
+              <a:rPr lang="es-ES" dirty="0" smtClean="0"/>
+              <a:t>:  </a:t>
+            </a:r>
+            <a:r>
+              <a:rPr lang="es-ES" dirty="0" err="1" smtClean="0"/>
+              <a:t>Four</a:t>
+            </a:r>
+            <a:r>
+              <a:rPr lang="es-ES" dirty="0" smtClean="0"/>
+              <a:t> 3D </a:t>
+            </a:r>
+            <a:r>
+              <a:rPr lang="es-ES" dirty="0" err="1" smtClean="0"/>
+              <a:t>images</a:t>
+            </a:r>
+            <a:r>
+              <a:rPr lang="es-ES" dirty="0" smtClean="0"/>
+              <a:t> + </a:t>
+            </a:r>
+            <a:r>
+              <a:rPr lang="es-ES" dirty="0" err="1" smtClean="0"/>
+              <a:t>One</a:t>
+            </a:r>
+            <a:r>
+              <a:rPr lang="es-ES" dirty="0" smtClean="0"/>
+              <a:t> 3D </a:t>
+            </a:r>
+            <a:r>
+              <a:rPr lang="es-ES" dirty="0" err="1" smtClean="0"/>
+              <a:t>image</a:t>
+            </a:r>
+            <a:r>
+              <a:rPr lang="es-ES" dirty="0" smtClean="0"/>
+              <a:t> (</a:t>
+            </a:r>
+            <a:r>
+              <a:rPr lang="es-ES" dirty="0" err="1" smtClean="0"/>
+              <a:t>ground</a:t>
             </a:r>
             <a:r>
               <a:rPr lang="es-ES" dirty="0" smtClean="0"/>
@@ -6895,7 +7016,26 @@
             </a:r>
             <a:r>
               <a:rPr lang="es-ES" dirty="0" err="1" smtClean="0"/>
-              <a:t>bla</a:t>
+              <a:t>truth</a:t>
+            </a:r>
+            <a:r>
+              <a:rPr lang="es-ES" dirty="0" smtClean="0"/>
+              <a:t>)</a:t>
+            </a:r>
+          </a:p>
+          <a:p>
+            <a:pPr lvl="1"/>
+            <a:r>
+              <a:rPr lang="es-ES" dirty="0" err="1" smtClean="0"/>
+              <a:t>Segmentation</a:t>
+            </a:r>
+            <a:r>
+              <a:rPr lang="es-ES" dirty="0" smtClean="0"/>
+              <a:t>: </a:t>
+            </a:r>
+            <a:r>
+              <a:rPr lang="es-ES" dirty="0" err="1" smtClean="0"/>
+              <a:t>Voxel-level</a:t>
             </a:r>
             <a:r>
               <a:rPr lang="es-ES" dirty="0" smtClean="0"/>
@@ -6903,7 +7043,32 @@
             </a:r>
             <a:r>
               <a:rPr lang="es-ES" dirty="0" err="1" smtClean="0"/>
-              <a:t>bla</a:t>
+              <a:t>classification</a:t>
+            </a:r>
+            <a:r>
+              <a:rPr lang="es-ES" dirty="0" smtClean="0"/>
+              <a:t> in </a:t>
+            </a:r>
+            <a:r>
+              <a:rPr lang="es-ES" dirty="0" err="1" smtClean="0"/>
+              <a:t>the</a:t>
+            </a:r>
+            <a:r>
+              <a:rPr lang="es-ES" dirty="0" smtClean="0"/>
+              <a:t> set {0, 1, 2, 3}.</a:t>
+            </a:r>
+          </a:p>
+          <a:p>
+            <a:r>
+              <a:rPr lang="es-ES" b="1" dirty="0" smtClean="0"/>
+              <a:t>INPUT</a:t>
+            </a:r>
+          </a:p>
+          <a:p>
+            <a:pPr lvl="1"/>
+            <a:r>
+              <a:rPr lang="es-ES" dirty="0" err="1" smtClean="0"/>
+              <a:t>Slice</a:t>
             </a:r>
             <a:r>
               <a:rPr lang="es-ES" dirty="0" smtClean="0"/>
@@ -6911,31 +7076,7 @@
             </a:r>
             <a:r>
               <a:rPr lang="es-ES" dirty="0" err="1" smtClean="0"/>
-              <a:t>bla</a:t>
-            </a:r>
-            <a:r>
-              <a:rPr lang="es-ES" dirty="0" smtClean="0"/>
-              <a:t>, </a:t>
-            </a:r>
-            <a:r>
-              <a:rPr lang="es-ES" dirty="0" err="1" smtClean="0"/>
-              <a:t>our</a:t>
-            </a:r>
-            <a:r>
-              <a:rPr lang="es-ES" dirty="0" smtClean="0"/>
-              <a:t> tutor </a:t>
-            </a:r>
-            <a:r>
-              <a:rPr lang="es-ES" dirty="0" err="1" smtClean="0"/>
-              <a:t>was</a:t>
-            </a:r>
-            <a:r>
-              <a:rPr lang="es-ES" dirty="0" smtClean="0"/>
-              <a:t> in </a:t>
-            </a:r>
-            <a:r>
-              <a:rPr lang="es-ES" dirty="0" err="1" smtClean="0"/>
-              <a:t>this</a:t>
+              <a:t>by</a:t>
             </a:r>
             <a:r>
               <a:rPr lang="es-ES" dirty="0" smtClean="0"/>
@@ -6943,7 +7084,7 @@
             </a:r>
             <a:r>
               <a:rPr lang="es-ES" dirty="0" err="1" smtClean="0"/>
-              <a:t>field</a:t>
+              <a:t>slice</a:t>
             </a:r>
             <a:r>
               <a:rPr lang="es-ES" dirty="0" smtClean="0"/>
@@ -6951,28 +7092,284 @@
             </a:r>
             <a:r>
               <a:rPr lang="es-ES" dirty="0" err="1" smtClean="0"/>
-              <a:t>bla</a:t>
+              <a:t>comparison</a:t>
             </a:r>
             <a:r>
               <a:rPr lang="es-ES" dirty="0" smtClean="0"/>
-              <a:t> </a:t>
-            </a:r>
-            <a:r>
-              <a:rPr lang="es-ES" dirty="0" err="1" smtClean="0"/>
-              <a:t>bla</a:t>
+              <a:t>: blocks </a:t>
+            </a:r>
+            <a:r>
+              <a:rPr lang="es-ES" dirty="0" err="1" smtClean="0"/>
+              <a:t>with</a:t>
             </a:r>
             <a:r>
               <a:rPr lang="es-ES" dirty="0" smtClean="0"/>
-              <a:t> </a:t>
-            </a:r>
-            <a:r>
-              <a:rPr lang="es-ES" dirty="0" err="1" smtClean="0"/>
-              <a:t>bla</a:t>
-            </a:r>
-            <a:endParaRPr lang="es-ES" dirty="0"/>
-          </a:p>
-        </p:txBody>
-      </p:sp>
+              <a:t> 4 </a:t>
+            </a:r>
+            <a:r>
+              <a:rPr lang="es-ES" dirty="0" err="1" smtClean="0"/>
+              <a:t>channels</a:t>
+            </a:r>
+            <a:endParaRPr lang="es-ES" dirty="0" smtClean="0"/>
+          </a:p>
+          <a:p>
+            <a:pPr lvl="1"/>
+            <a:r>
+              <a:rPr lang="es-ES" dirty="0" err="1" smtClean="0"/>
+              <a:t>Example</a:t>
+            </a:r>
+            <a:r>
+              <a:rPr lang="es-ES" dirty="0" smtClean="0"/>
+              <a:t>: 4th </a:t>
+            </a:r>
+            <a:r>
+              <a:rPr lang="es-ES" dirty="0" err="1" smtClean="0"/>
+              <a:t>Patient</a:t>
+            </a:r>
+            <a:r>
+              <a:rPr lang="es-ES" dirty="0" smtClean="0"/>
+              <a:t>          </a:t>
+            </a:r>
+            <a:r>
+              <a:rPr lang="es-ES" dirty="0" err="1" smtClean="0"/>
+              <a:t>slices</a:t>
+            </a:r>
+            <a:r>
+              <a:rPr lang="es-ES" dirty="0" smtClean="0"/>
+              <a:t> 77th </a:t>
+            </a:r>
+          </a:p>
+          <a:p>
+            <a:pPr lvl="1"/>
+            <a:endParaRPr lang="es-ES" dirty="0" smtClean="0"/>
+          </a:p>
+          <a:p>
+            <a:pPr lvl="1"/>
+            <a:endParaRPr lang="es-ES" dirty="0" smtClean="0"/>
+          </a:p>
+          <a:p>
+            <a:pPr lvl="1"/>
+            <a:endParaRPr lang="es-ES" dirty="0" smtClean="0"/>
+          </a:p>
+          <a:p>
+            <a:pPr marL="810000" lvl="2" indent="0">
+              <a:buNone/>
+            </a:pPr>
+            <a:endParaRPr lang="es-ES" dirty="0" smtClean="0"/>
+          </a:p>
+        </p:txBody>
+      </p:sp>
+      <p:cxnSp>
+        <p:nvCxnSpPr>
+          <p:cNvPr id="8" name="Connector de fletxa recta 7"/>
+          <p:cNvCxnSpPr/>
+          <p:nvPr/>
+        </p:nvCxnSpPr>
+        <p:spPr>
+          <a:xfrm flipV="1">
+            <a:off x="3902149" y="4550735"/>
+            <a:ext cx="276446" cy="1"/>
+          </a:xfrm>
+          <a:prstGeom prst="straightConnector1">
+            <a:avLst/>
+          </a:prstGeom>
+          <a:ln>
+            <a:tailEnd type="arrow"/>
+          </a:ln>
+        </p:spPr>
+        <p:style>
+          <a:lnRef idx="1">
+            <a:schemeClr val="accent1"/>
+          </a:lnRef>
+          <a:fillRef idx="0">
+            <a:schemeClr val="accent1"/>
+          </a:fillRef>
+          <a:effectRef idx="0">
+            <a:schemeClr val="accent1"/>
+          </a:effectRef>
+          <a:fontRef idx="minor">
+            <a:schemeClr val="tx1"/>
+          </a:fontRef>
+        </p:style>
+      </p:cxnSp>
+      <p:pic>
+        <p:nvPicPr>
+          <p:cNvPr id="10" name="Imatge 9"/>
+          <p:cNvPicPr>
+            <a:picLocks noChangeAspect="1"/>
+          </p:cNvPicPr>
+          <p:nvPr/>
+        </p:nvPicPr>
+        <p:blipFill rotWithShape="1">
+          <a:blip r:embed="rId2">
+            <a:extLst>
+              <a:ext uri="{28A0092B-C50C-407E-A947-70E740481C1C}">
+                <a14:useLocalDpi xmlns:a14="http://schemas.microsoft.com/office/drawing/2010/main" val="0"/>
+              </a:ext>
+            </a:extLst>
+          </a:blip>
+          <a:srcRect l="8181" t="15110" r="14437" b="15014"/>
+          <a:stretch/>
+        </p:blipFill>
+        <p:spPr>
+          <a:xfrm>
+            <a:off x="935665" y="5082362"/>
+            <a:ext cx="1424762" cy="1286539"/>
+          </a:xfrm>
+          <a:prstGeom prst="rect">
+            <a:avLst/>
+          </a:prstGeom>
+        </p:spPr>
+      </p:pic>
+      <p:pic>
+        <p:nvPicPr>
+          <p:cNvPr id="11" name="Imatge 10"/>
+          <p:cNvPicPr>
+            <a:picLocks noChangeAspect="1"/>
+          </p:cNvPicPr>
+          <p:nvPr/>
+        </p:nvPicPr>
+        <p:blipFill rotWithShape="1">
+          <a:blip r:embed="rId3">
+            <a:extLst>
+              <a:ext uri="{28A0092B-C50C-407E-A947-70E740481C1C}">
+                <a14:useLocalDpi xmlns:a14="http://schemas.microsoft.com/office/drawing/2010/main" val="0"/>
+              </a:ext>
+            </a:extLst>
+          </a:blip>
+          <a:srcRect l="7025" t="15110" r="14438" b="15014"/>
+          <a:stretch/>
+        </p:blipFill>
+        <p:spPr>
+          <a:xfrm>
+            <a:off x="2785727" y="5082361"/>
+            <a:ext cx="1446029" cy="1286539"/>
+          </a:xfrm>
+          <a:prstGeom prst="rect">
+            <a:avLst/>
+          </a:prstGeom>
+        </p:spPr>
+      </p:pic>
+      <p:pic>
+        <p:nvPicPr>
+          <p:cNvPr id="12" name="Imatge 11"/>
+          <p:cNvPicPr>
+            <a:picLocks noChangeAspect="1"/>
+          </p:cNvPicPr>
+          <p:nvPr/>
+        </p:nvPicPr>
+        <p:blipFill rotWithShape="1">
+          <a:blip r:embed="rId4">
+            <a:extLst>
+              <a:ext uri="{28A0092B-C50C-407E-A947-70E740481C1C}">
+                <a14:useLocalDpi xmlns:a14="http://schemas.microsoft.com/office/drawing/2010/main" val="0"/>
+              </a:ext>
+            </a:extLst>
+          </a:blip>
+          <a:srcRect l="9336" t="15110" r="16169" b="15014"/>
+          <a:stretch/>
+        </p:blipFill>
+        <p:spPr>
+          <a:xfrm>
+            <a:off x="4614530" y="5082363"/>
+            <a:ext cx="1371601" cy="1286539"/>
+          </a:xfrm>
+          <a:prstGeom prst="rect">
+            <a:avLst/>
+          </a:prstGeom>
+        </p:spPr>
+      </p:pic>
+      <p:pic>
+        <p:nvPicPr>
+          <p:cNvPr id="13" name="Imatge 12"/>
+          <p:cNvPicPr>
+            <a:picLocks noChangeAspect="1"/>
+          </p:cNvPicPr>
+          <p:nvPr/>
+        </p:nvPicPr>
+        <p:blipFill rotWithShape="1">
+          <a:blip r:embed="rId4">
+            <a:extLst>
+              <a:ext uri="{28A0092B-C50C-407E-A947-70E740481C1C}">
+                <a14:useLocalDpi xmlns:a14="http://schemas.microsoft.com/office/drawing/2010/main" val="0"/>
+              </a:ext>
+            </a:extLst>
+          </a:blip>
+          <a:srcRect l="9913" t="15110" r="18479" b="15014"/>
+          <a:stretch/>
+        </p:blipFill>
+        <p:spPr>
+          <a:xfrm>
+            <a:off x="6411432" y="5082360"/>
+            <a:ext cx="1318437" cy="1286539"/>
+          </a:xfrm>
+          <a:prstGeom prst="rect">
+            <a:avLst/>
+          </a:prstGeom>
+        </p:spPr>
+      </p:pic>
+      <p:cxnSp>
+        <p:nvCxnSpPr>
+          <p:cNvPr id="15" name="Connector de fletxa recta 14"/>
+          <p:cNvCxnSpPr/>
+          <p:nvPr/>
+        </p:nvCxnSpPr>
+        <p:spPr>
+          <a:xfrm>
+            <a:off x="8048847" y="5725629"/>
+            <a:ext cx="1073888" cy="0"/>
+          </a:xfrm>
+          <a:prstGeom prst="straightConnector1">
+            <a:avLst/>
+          </a:prstGeom>
+          <a:ln>
+            <a:tailEnd type="arrow"/>
+          </a:ln>
+        </p:spPr>
+        <p:style>
+          <a:lnRef idx="1">
+            <a:schemeClr val="accent1"/>
+          </a:lnRef>
+          <a:fillRef idx="0">
+            <a:schemeClr val="accent1"/>
+          </a:fillRef>
+          <a:effectRef idx="0">
+            <a:schemeClr val="accent1"/>
+          </a:effectRef>
+          <a:fontRef idx="minor">
+            <a:schemeClr val="tx1"/>
+          </a:fontRef>
+        </p:style>
+      </p:cxnSp>
+      <p:pic>
+        <p:nvPicPr>
+          <p:cNvPr id="16" name="Imatge 15"/>
+          <p:cNvPicPr>
+            <a:picLocks noChangeAspect="1"/>
+          </p:cNvPicPr>
+          <p:nvPr/>
+        </p:nvPicPr>
+        <p:blipFill rotWithShape="1">
+          <a:blip r:embed="rId5">
+            <a:extLst>
+              <a:ext uri="{28A0092B-C50C-407E-A947-70E740481C1C}">
+                <a14:useLocalDpi xmlns:a14="http://schemas.microsoft.com/office/drawing/2010/main" val="0"/>
+              </a:ext>
+            </a:extLst>
+          </a:blip>
+          <a:srcRect l="8734" t="16046" r="5024" b="17907"/>
+          <a:stretch/>
+        </p:blipFill>
+        <p:spPr>
+          <a:xfrm>
+            <a:off x="9579936" y="5082363"/>
+            <a:ext cx="1679944" cy="1286536"/>
+          </a:xfrm>
+          <a:prstGeom prst="rect">
+            <a:avLst/>
+          </a:prstGeom>
+        </p:spPr>
+      </p:pic>
     </p:spTree>
     <p:extLst>
       <p:ext uri="{BB962C8B-B14F-4D97-AF65-F5344CB8AC3E}">
@@ -7012,53 +7409,38 @@
       </p:grpSpPr>
       <p:sp>
         <p:nvSpPr>
-          <p:cNvPr id="2" name="Title 1"/>
-          <p:cNvSpPr>
-            <a:spLocks noGrp="1"/>
-          </p:cNvSpPr>
-          <p:nvPr>
-            <p:ph type="title"/>
-          </p:nvPr>
-        </p:nvSpPr>
-        <p:spPr/>
+          <p:cNvPr id="3" name="Content Placeholder 2"/>
+          <p:cNvSpPr>
+            <a:spLocks noGrp="1"/>
+          </p:cNvSpPr>
+          <p:nvPr>
+            <p:ph idx="1"/>
+          </p:nvPr>
+        </p:nvSpPr>
+        <p:spPr>
+          <a:xfrm>
+            <a:off x="903163" y="956272"/>
+            <a:ext cx="10353762" cy="4058751"/>
+          </a:xfrm>
+        </p:spPr>
         <p:txBody>
           <a:bodyPr/>
           <a:lstStyle/>
           <a:p>
             <a:r>
-              <a:rPr lang="es-ES" dirty="0" err="1" smtClean="0"/>
-              <a:t>Description</a:t>
-            </a:r>
-            <a:endParaRPr lang="es-ES" dirty="0"/>
-          </a:p>
-        </p:txBody>
-      </p:sp>
-      <p:sp>
-        <p:nvSpPr>
-          <p:cNvPr id="3" name="Content Placeholder 2"/>
-          <p:cNvSpPr>
-            <a:spLocks noGrp="1"/>
-          </p:cNvSpPr>
-          <p:nvPr>
-            <p:ph idx="1"/>
-          </p:nvPr>
-        </p:nvSpPr>
-        <p:spPr/>
-        <p:txBody>
-          <a:bodyPr/>
-          <a:lstStyle/>
-          <a:p>
-            <a:r>
-              <a:rPr lang="es-ES" dirty="0" err="1" smtClean="0"/>
-              <a:t>Explanation</a:t>
+              <a:rPr lang="es-ES" b="1" dirty="0" smtClean="0"/>
+              <a:t>OUTPUT</a:t>
             </a:r>
             <a:r>
               <a:rPr lang="es-ES" dirty="0" smtClean="0"/>
-              <a:t> of </a:t>
-            </a:r>
-            <a:r>
-              <a:rPr lang="es-ES" dirty="0" err="1" smtClean="0"/>
-              <a:t>the</a:t>
+              <a:t>: </a:t>
+            </a:r>
+          </a:p>
+          <a:p>
+            <a:pPr lvl="1"/>
+            <a:r>
+              <a:rPr lang="es-ES" dirty="0" err="1" smtClean="0"/>
+              <a:t>One</a:t>
             </a:r>
             <a:r>
               <a:rPr lang="es-ES" dirty="0" smtClean="0"/>
@@ -7066,15 +7448,15 @@
             </a:r>
             <a:r>
               <a:rPr lang="es-ES" dirty="0" err="1" smtClean="0"/>
-              <a:t>database</a:t>
+              <a:t>channel</a:t>
             </a:r>
             <a:r>
               <a:rPr lang="es-ES" dirty="0" smtClean="0"/>
-              <a:t>, and </a:t>
-            </a:r>
-            <a:r>
-              <a:rPr lang="es-ES" dirty="0" err="1" smtClean="0"/>
-              <a:t>how</a:t>
+              <a:t> vs </a:t>
+            </a:r>
+            <a:r>
+              <a:rPr lang="es-ES" dirty="0" err="1" smtClean="0"/>
+              <a:t>one-hot</a:t>
             </a:r>
             <a:r>
               <a:rPr lang="es-ES" dirty="0" smtClean="0"/>
@@ -7082,15 +7464,15 @@
             </a:r>
             <a:r>
               <a:rPr lang="es-ES" dirty="0" err="1" smtClean="0"/>
-              <a:t>the</a:t>
-            </a:r>
-            <a:r>
-              <a:rPr lang="es-ES" dirty="0" smtClean="0"/>
-              <a:t> data </a:t>
-            </a:r>
-            <a:r>
-              <a:rPr lang="es-ES" dirty="0" err="1" smtClean="0"/>
-              <a:t>is</a:t>
+              <a:t>encoding</a:t>
+            </a:r>
+            <a:endParaRPr lang="es-ES" dirty="0" smtClean="0"/>
+          </a:p>
+          <a:p>
+            <a:pPr lvl="1"/>
+            <a:r>
+              <a:rPr lang="es-ES" dirty="0" err="1" smtClean="0"/>
+              <a:t>Binarizing</a:t>
             </a:r>
             <a:r>
               <a:rPr lang="es-ES" dirty="0" smtClean="0"/>
@@ -7098,44 +7480,6 @@
             </a:r>
             <a:r>
               <a:rPr lang="es-ES" dirty="0" err="1" smtClean="0"/>
-              <a:t>contained</a:t>
-            </a:r>
-            <a:r>
-              <a:rPr lang="es-ES" dirty="0" smtClean="0"/>
-              <a:t>( </a:t>
-            </a:r>
-            <a:r>
-              <a:rPr lang="es-ES" dirty="0" err="1" smtClean="0"/>
-              <a:t>volums</a:t>
-            </a:r>
-            <a:r>
-              <a:rPr lang="es-ES" dirty="0" smtClean="0"/>
-              <a:t> and </a:t>
-            </a:r>
-            <a:r>
-              <a:rPr lang="es-ES" dirty="0" err="1" smtClean="0"/>
-              <a:t>stuff</a:t>
-            </a:r>
-            <a:r>
-              <a:rPr lang="es-ES" dirty="0" smtClean="0"/>
-              <a:t>) </a:t>
-            </a:r>
-          </a:p>
-          <a:p>
-            <a:r>
-              <a:rPr lang="es-ES" dirty="0" smtClean="0"/>
-              <a:t>Short </a:t>
-            </a:r>
-            <a:r>
-              <a:rPr lang="es-ES" dirty="0" err="1" smtClean="0"/>
-              <a:t>explanation</a:t>
-            </a:r>
-            <a:r>
-              <a:rPr lang="es-ES" dirty="0" smtClean="0"/>
-              <a:t> of </a:t>
-            </a:r>
-            <a:r>
-              <a:rPr lang="es-ES" dirty="0" err="1" smtClean="0"/>
               <a:t>the</a:t>
             </a:r>
             <a:r>
@@ -7144,16 +7488,84 @@
             </a:r>
             <a:r>
               <a:rPr lang="es-ES" dirty="0" err="1" smtClean="0"/>
-              <a:t>Unet</a:t>
+              <a:t>labels</a:t>
             </a:r>
             <a:r>
               <a:rPr lang="es-ES" dirty="0" smtClean="0"/>
-              <a:t>.</a:t>
-            </a:r>
-            <a:endParaRPr lang="es-ES" dirty="0"/>
-          </a:p>
-        </p:txBody>
-      </p:sp>
+              <a:t>: </a:t>
+            </a:r>
+            <a:r>
+              <a:rPr lang="es-ES" dirty="0" err="1" smtClean="0"/>
+              <a:t>tumour</a:t>
+            </a:r>
+            <a:r>
+              <a:rPr lang="es-ES" dirty="0" smtClean="0"/>
+              <a:t> / non-</a:t>
+            </a:r>
+            <a:r>
+              <a:rPr lang="es-ES" dirty="0" err="1" smtClean="0"/>
+              <a:t>tumour</a:t>
+            </a:r>
+            <a:endParaRPr lang="es-ES" dirty="0" smtClean="0"/>
+          </a:p>
+          <a:p>
+            <a:r>
+              <a:rPr lang="es-ES" b="1" dirty="0" smtClean="0"/>
+              <a:t>ARCHITECTURE</a:t>
+            </a:r>
+            <a:r>
+              <a:rPr lang="es-ES" dirty="0" smtClean="0"/>
+              <a:t>:  U-Net</a:t>
+            </a:r>
+          </a:p>
+          <a:p>
+            <a:pPr lvl="1"/>
+            <a:r>
+              <a:rPr lang="es-ES" dirty="0" err="1" smtClean="0"/>
+              <a:t>Keras</a:t>
+            </a:r>
+            <a:endParaRPr lang="es-ES" dirty="0" smtClean="0"/>
+          </a:p>
+          <a:p>
+            <a:pPr lvl="1"/>
+            <a:r>
+              <a:rPr lang="es-ES" dirty="0" err="1" smtClean="0"/>
+              <a:t>Tensorflow</a:t>
+            </a:r>
+            <a:endParaRPr lang="es-ES" dirty="0" smtClean="0"/>
+          </a:p>
+        </p:txBody>
+      </p:sp>
+      <p:pic>
+        <p:nvPicPr>
+          <p:cNvPr id="5" name="Imatge 4"/>
+          <p:cNvPicPr>
+            <a:picLocks noChangeAspect="1"/>
+          </p:cNvPicPr>
+          <p:nvPr/>
+        </p:nvPicPr>
+        <p:blipFill>
+          <a:blip r:embed="rId2">
+            <a:extLst>
+              <a:ext uri="{28A0092B-C50C-407E-A947-70E740481C1C}">
+                <a14:useLocalDpi xmlns:a14="http://schemas.microsoft.com/office/drawing/2010/main" val="0"/>
+              </a:ext>
+            </a:extLst>
+          </a:blip>
+          <a:stretch>
+            <a:fillRect/>
+          </a:stretch>
+        </p:blipFill>
+        <p:spPr>
+          <a:xfrm>
+            <a:off x="3215505" y="2718421"/>
+            <a:ext cx="5566987" cy="3650483"/>
+          </a:xfrm>
+          <a:prstGeom prst="rect">
+            <a:avLst/>
+          </a:prstGeom>
+        </p:spPr>
+      </p:pic>
     </p:spTree>
     <p:extLst>
       <p:ext uri="{BB962C8B-B14F-4D97-AF65-F5344CB8AC3E}">
@@ -7952,7 +8364,7 @@
   <a:extraClrSchemeLst/>
   <a:extLst>
     <a:ext uri="{05A4C25C-085E-4340-85A3-A5531E510DB2}">
-      <thm15:themeFamily xmlns:thm15="http://schemas.microsoft.com/office/thememl/2012/main" xmlns="" name="Slate" id="{C3F70B94-7CE9-428E-ADC1-3269CC2C3385}" vid="{43372978-11FE-4814-AC26-BC300187D8C7}"/>
+      <thm15:themeFamily xmlns="" xmlns:thm15="http://schemas.microsoft.com/office/thememl/2012/main" name="Slate" id="{C3F70B94-7CE9-428E-ADC1-3269CC2C3385}" vid="{43372978-11FE-4814-AC26-BC300187D8C7}"/>
     </a:ext>
   </a:extLst>
 </a:theme>

--- a/BrainScan_19.pptx
+++ b/BrainScan_19.pptx
@@ -299,7 +299,7 @@
           <a:p>
             <a:fld id="{EE895416-E363-4EB7-B047-44D1B519B0DC}" type="datetimeFigureOut">
               <a:rPr lang="es-ES" smtClean="0"/>
-              <a:t>30/06/2019</a:t>
+              <a:t>01/07/2019</a:t>
             </a:fld>
             <a:endParaRPr lang="es-ES"/>
           </a:p>
@@ -597,7 +597,7 @@
           <a:p>
             <a:fld id="{EE895416-E363-4EB7-B047-44D1B519B0DC}" type="datetimeFigureOut">
               <a:rPr lang="es-ES" smtClean="0"/>
-              <a:t>30/06/2019</a:t>
+              <a:t>01/07/2019</a:t>
             </a:fld>
             <a:endParaRPr lang="es-ES"/>
           </a:p>
@@ -789,7 +789,7 @@
           <a:p>
             <a:fld id="{EE895416-E363-4EB7-B047-44D1B519B0DC}" type="datetimeFigureOut">
               <a:rPr lang="es-ES" smtClean="0"/>
-              <a:t>30/06/2019</a:t>
+              <a:t>01/07/2019</a:t>
             </a:fld>
             <a:endParaRPr lang="es-ES"/>
           </a:p>
@@ -1050,7 +1050,7 @@
           <a:p>
             <a:fld id="{EE895416-E363-4EB7-B047-44D1B519B0DC}" type="datetimeFigureOut">
               <a:rPr lang="es-ES" smtClean="0"/>
-              <a:t>30/06/2019</a:t>
+              <a:t>01/07/2019</a:t>
             </a:fld>
             <a:endParaRPr lang="es-ES"/>
           </a:p>
@@ -1474,7 +1474,7 @@
           <a:p>
             <a:fld id="{EE895416-E363-4EB7-B047-44D1B519B0DC}" type="datetimeFigureOut">
               <a:rPr lang="es-ES" smtClean="0"/>
-              <a:t>30/06/2019</a:t>
+              <a:t>01/07/2019</a:t>
             </a:fld>
             <a:endParaRPr lang="es-ES"/>
           </a:p>
@@ -2011,7 +2011,7 @@
           <a:p>
             <a:fld id="{EE895416-E363-4EB7-B047-44D1B519B0DC}" type="datetimeFigureOut">
               <a:rPr lang="es-ES" smtClean="0"/>
-              <a:t>30/06/2019</a:t>
+              <a:t>01/07/2019</a:t>
             </a:fld>
             <a:endParaRPr lang="es-ES"/>
           </a:p>
@@ -2875,7 +2875,7 @@
           <a:p>
             <a:fld id="{EE895416-E363-4EB7-B047-44D1B519B0DC}" type="datetimeFigureOut">
               <a:rPr lang="es-ES" smtClean="0"/>
-              <a:t>30/06/2019</a:t>
+              <a:t>01/07/2019</a:t>
             </a:fld>
             <a:endParaRPr lang="es-ES"/>
           </a:p>
@@ -3045,7 +3045,7 @@
           <a:p>
             <a:fld id="{EE895416-E363-4EB7-B047-44D1B519B0DC}" type="datetimeFigureOut">
               <a:rPr lang="es-ES" smtClean="0"/>
-              <a:t>30/06/2019</a:t>
+              <a:t>01/07/2019</a:t>
             </a:fld>
             <a:endParaRPr lang="es-ES"/>
           </a:p>
@@ -3229,7 +3229,7 @@
           <a:p>
             <a:fld id="{EE895416-E363-4EB7-B047-44D1B519B0DC}" type="datetimeFigureOut">
               <a:rPr lang="es-ES" smtClean="0"/>
-              <a:t>30/06/2019</a:t>
+              <a:t>01/07/2019</a:t>
             </a:fld>
             <a:endParaRPr lang="es-ES"/>
           </a:p>
@@ -3399,7 +3399,7 @@
           <a:p>
             <a:fld id="{EE895416-E363-4EB7-B047-44D1B519B0DC}" type="datetimeFigureOut">
               <a:rPr lang="es-ES" smtClean="0"/>
-              <a:t>30/06/2019</a:t>
+              <a:t>01/07/2019</a:t>
             </a:fld>
             <a:endParaRPr lang="es-ES"/>
           </a:p>
@@ -3643,7 +3643,7 @@
           <a:p>
             <a:fld id="{EE895416-E363-4EB7-B047-44D1B519B0DC}" type="datetimeFigureOut">
               <a:rPr lang="es-ES" smtClean="0"/>
-              <a:t>30/06/2019</a:t>
+              <a:t>01/07/2019</a:t>
             </a:fld>
             <a:endParaRPr lang="es-ES"/>
           </a:p>
@@ -3879,7 +3879,7 @@
           <a:p>
             <a:fld id="{EE895416-E363-4EB7-B047-44D1B519B0DC}" type="datetimeFigureOut">
               <a:rPr lang="es-ES" smtClean="0"/>
-              <a:t>30/06/2019</a:t>
+              <a:t>01/07/2019</a:t>
             </a:fld>
             <a:endParaRPr lang="es-ES"/>
           </a:p>
@@ -4345,7 +4345,7 @@
           <a:p>
             <a:fld id="{EE895416-E363-4EB7-B047-44D1B519B0DC}" type="datetimeFigureOut">
               <a:rPr lang="es-ES" smtClean="0"/>
-              <a:t>30/06/2019</a:t>
+              <a:t>01/07/2019</a:t>
             </a:fld>
             <a:endParaRPr lang="es-ES"/>
           </a:p>
@@ -4463,7 +4463,7 @@
           <a:p>
             <a:fld id="{EE895416-E363-4EB7-B047-44D1B519B0DC}" type="datetimeFigureOut">
               <a:rPr lang="es-ES" smtClean="0"/>
-              <a:t>30/06/2019</a:t>
+              <a:t>01/07/2019</a:t>
             </a:fld>
             <a:endParaRPr lang="es-ES"/>
           </a:p>
@@ -4558,7 +4558,7 @@
           <a:p>
             <a:fld id="{EE895416-E363-4EB7-B047-44D1B519B0DC}" type="datetimeFigureOut">
               <a:rPr lang="es-ES" smtClean="0"/>
-              <a:t>30/06/2019</a:t>
+              <a:t>01/07/2019</a:t>
             </a:fld>
             <a:endParaRPr lang="es-ES"/>
           </a:p>
@@ -4813,7 +4813,7 @@
           <a:p>
             <a:fld id="{EE895416-E363-4EB7-B047-44D1B519B0DC}" type="datetimeFigureOut">
               <a:rPr lang="es-ES" smtClean="0"/>
-              <a:t>30/06/2019</a:t>
+              <a:t>01/07/2019</a:t>
             </a:fld>
             <a:endParaRPr lang="es-ES"/>
           </a:p>
@@ -5113,7 +5113,7 @@
           <a:p>
             <a:fld id="{EE895416-E363-4EB7-B047-44D1B519B0DC}" type="datetimeFigureOut">
               <a:rPr lang="es-ES" smtClean="0"/>
-              <a:t>30/06/2019</a:t>
+              <a:t>01/07/2019</a:t>
             </a:fld>
             <a:endParaRPr lang="es-ES"/>
           </a:p>
@@ -5347,7 +5347,7 @@
           <a:p>
             <a:fld id="{EE895416-E363-4EB7-B047-44D1B519B0DC}" type="datetimeFigureOut">
               <a:rPr lang="es-ES" smtClean="0"/>
-              <a:t>30/06/2019</a:t>
+              <a:t>01/07/2019</a:t>
             </a:fld>
             <a:endParaRPr lang="es-ES"/>
           </a:p>
@@ -7061,83 +7061,17 @@
           <a:p>
             <a:r>
               <a:rPr lang="es-ES" b="1" dirty="0" smtClean="0"/>
-              <a:t>INPUT</a:t>
-            </a:r>
-          </a:p>
-          <a:p>
-            <a:pPr lvl="1"/>
-            <a:r>
-              <a:rPr lang="es-ES" dirty="0" err="1" smtClean="0"/>
-              <a:t>Slice</a:t>
-            </a:r>
-            <a:r>
-              <a:rPr lang="es-ES" dirty="0" smtClean="0"/>
-              <a:t> </a:t>
-            </a:r>
-            <a:r>
-              <a:rPr lang="es-ES" dirty="0" err="1" smtClean="0"/>
-              <a:t>by</a:t>
-            </a:r>
-            <a:r>
-              <a:rPr lang="es-ES" dirty="0" smtClean="0"/>
-              <a:t> </a:t>
-            </a:r>
-            <a:r>
-              <a:rPr lang="es-ES" dirty="0" err="1" smtClean="0"/>
-              <a:t>slice</a:t>
-            </a:r>
-            <a:r>
-              <a:rPr lang="es-ES" dirty="0" smtClean="0"/>
-              <a:t> </a:t>
-            </a:r>
-            <a:r>
-              <a:rPr lang="es-ES" dirty="0" err="1" smtClean="0"/>
-              <a:t>comparison</a:t>
-            </a:r>
-            <a:r>
-              <a:rPr lang="es-ES" dirty="0" smtClean="0"/>
-              <a:t>: blocks </a:t>
-            </a:r>
-            <a:r>
-              <a:rPr lang="es-ES" dirty="0" err="1" smtClean="0"/>
-              <a:t>with</a:t>
-            </a:r>
-            <a:r>
-              <a:rPr lang="es-ES" dirty="0" smtClean="0"/>
-              <a:t> 4 </a:t>
-            </a:r>
-            <a:r>
-              <a:rPr lang="es-ES" dirty="0" err="1" smtClean="0"/>
-              <a:t>channels</a:t>
-            </a:r>
-            <a:endParaRPr lang="es-ES" dirty="0" smtClean="0"/>
-          </a:p>
-          <a:p>
-            <a:pPr lvl="1"/>
-            <a:r>
-              <a:rPr lang="es-ES" dirty="0" err="1" smtClean="0"/>
-              <a:t>Example</a:t>
-            </a:r>
-            <a:r>
-              <a:rPr lang="es-ES" dirty="0" smtClean="0"/>
-              <a:t>: 4th </a:t>
-            </a:r>
-            <a:r>
-              <a:rPr lang="es-ES" dirty="0" err="1" smtClean="0"/>
-              <a:t>Patient</a:t>
-            </a:r>
-            <a:r>
-              <a:rPr lang="es-ES" dirty="0" smtClean="0"/>
-              <a:t>          </a:t>
-            </a:r>
-            <a:r>
-              <a:rPr lang="es-ES" dirty="0" err="1" smtClean="0"/>
-              <a:t>slices</a:t>
-            </a:r>
-            <a:r>
-              <a:rPr lang="es-ES" dirty="0" smtClean="0"/>
-              <a:t> 77th </a:t>
-            </a:r>
+              <a:t>ARCHITECTURE: </a:t>
+            </a:r>
+            <a:r>
+              <a:rPr lang="es-ES" dirty="0" smtClean="0">
+                <a:effectLst/>
+              </a:rPr>
+              <a:t>U-Net</a:t>
+            </a:r>
+            <a:endParaRPr lang="es-ES" dirty="0" smtClean="0">
+              <a:effectLst/>
+            </a:endParaRPr>
           </a:p>
           <a:p>
             <a:pPr lvl="1"/>
@@ -7159,48 +7093,15 @@
           </a:p>
         </p:txBody>
       </p:sp>
-      <p:cxnSp>
-        <p:nvCxnSpPr>
-          <p:cNvPr id="8" name="Connector de fletxa recta 7"/>
-          <p:cNvCxnSpPr/>
-          <p:nvPr/>
-        </p:nvCxnSpPr>
-        <p:spPr>
-          <a:xfrm flipV="1">
-            <a:off x="3902149" y="4550735"/>
-            <a:ext cx="276446" cy="1"/>
-          </a:xfrm>
-          <a:prstGeom prst="straightConnector1">
-            <a:avLst/>
-          </a:prstGeom>
-          <a:ln>
-            <a:tailEnd type="arrow"/>
-          </a:ln>
-        </p:spPr>
-        <p:style>
-          <a:lnRef idx="1">
-            <a:schemeClr val="accent1"/>
-          </a:lnRef>
-          <a:fillRef idx="0">
-            <a:schemeClr val="accent1"/>
-          </a:fillRef>
-          <a:effectRef idx="0">
-            <a:schemeClr val="accent1"/>
-          </a:effectRef>
-          <a:fontRef idx="minor">
-            <a:schemeClr val="tx1"/>
-          </a:fontRef>
-        </p:style>
-      </p:cxnSp>
       <p:pic>
         <p:nvPicPr>
-          <p:cNvPr id="10" name="Imatge 9"/>
+          <p:cNvPr id="14" name="Imatge 13"/>
           <p:cNvPicPr>
             <a:picLocks noChangeAspect="1"/>
           </p:cNvPicPr>
           <p:nvPr/>
         </p:nvPicPr>
-        <p:blipFill rotWithShape="1">
+        <p:blipFill>
           <a:blip r:embed="rId2">
             <a:extLst>
               <a:ext uri="{28A0092B-C50C-407E-A947-70E740481C1C}">
@@ -7208,162 +7109,14 @@
               </a:ext>
             </a:extLst>
           </a:blip>
-          <a:srcRect l="8181" t="15110" r="14437" b="15014"/>
-          <a:stretch/>
+          <a:stretch>
+            <a:fillRect/>
+          </a:stretch>
         </p:blipFill>
         <p:spPr>
           <a:xfrm>
-            <a:off x="935665" y="5082362"/>
-            <a:ext cx="1424762" cy="1286539"/>
-          </a:xfrm>
-          <a:prstGeom prst="rect">
-            <a:avLst/>
-          </a:prstGeom>
-        </p:spPr>
-      </p:pic>
-      <p:pic>
-        <p:nvPicPr>
-          <p:cNvPr id="11" name="Imatge 10"/>
-          <p:cNvPicPr>
-            <a:picLocks noChangeAspect="1"/>
-          </p:cNvPicPr>
-          <p:nvPr/>
-        </p:nvPicPr>
-        <p:blipFill rotWithShape="1">
-          <a:blip r:embed="rId3">
-            <a:extLst>
-              <a:ext uri="{28A0092B-C50C-407E-A947-70E740481C1C}">
-                <a14:useLocalDpi xmlns:a14="http://schemas.microsoft.com/office/drawing/2010/main" val="0"/>
-              </a:ext>
-            </a:extLst>
-          </a:blip>
-          <a:srcRect l="7025" t="15110" r="14438" b="15014"/>
-          <a:stretch/>
-        </p:blipFill>
-        <p:spPr>
-          <a:xfrm>
-            <a:off x="2785727" y="5082361"/>
-            <a:ext cx="1446029" cy="1286539"/>
-          </a:xfrm>
-          <a:prstGeom prst="rect">
-            <a:avLst/>
-          </a:prstGeom>
-        </p:spPr>
-      </p:pic>
-      <p:pic>
-        <p:nvPicPr>
-          <p:cNvPr id="12" name="Imatge 11"/>
-          <p:cNvPicPr>
-            <a:picLocks noChangeAspect="1"/>
-          </p:cNvPicPr>
-          <p:nvPr/>
-        </p:nvPicPr>
-        <p:blipFill rotWithShape="1">
-          <a:blip r:embed="rId4">
-            <a:extLst>
-              <a:ext uri="{28A0092B-C50C-407E-A947-70E740481C1C}">
-                <a14:useLocalDpi xmlns:a14="http://schemas.microsoft.com/office/drawing/2010/main" val="0"/>
-              </a:ext>
-            </a:extLst>
-          </a:blip>
-          <a:srcRect l="9336" t="15110" r="16169" b="15014"/>
-          <a:stretch/>
-        </p:blipFill>
-        <p:spPr>
-          <a:xfrm>
-            <a:off x="4614530" y="5082363"/>
-            <a:ext cx="1371601" cy="1286539"/>
-          </a:xfrm>
-          <a:prstGeom prst="rect">
-            <a:avLst/>
-          </a:prstGeom>
-        </p:spPr>
-      </p:pic>
-      <p:pic>
-        <p:nvPicPr>
-          <p:cNvPr id="13" name="Imatge 12"/>
-          <p:cNvPicPr>
-            <a:picLocks noChangeAspect="1"/>
-          </p:cNvPicPr>
-          <p:nvPr/>
-        </p:nvPicPr>
-        <p:blipFill rotWithShape="1">
-          <a:blip r:embed="rId4">
-            <a:extLst>
-              <a:ext uri="{28A0092B-C50C-407E-A947-70E740481C1C}">
-                <a14:useLocalDpi xmlns:a14="http://schemas.microsoft.com/office/drawing/2010/main" val="0"/>
-              </a:ext>
-            </a:extLst>
-          </a:blip>
-          <a:srcRect l="9913" t="15110" r="18479" b="15014"/>
-          <a:stretch/>
-        </p:blipFill>
-        <p:spPr>
-          <a:xfrm>
-            <a:off x="6411432" y="5082360"/>
-            <a:ext cx="1318437" cy="1286539"/>
-          </a:xfrm>
-          <a:prstGeom prst="rect">
-            <a:avLst/>
-          </a:prstGeom>
-        </p:spPr>
-      </p:pic>
-      <p:cxnSp>
-        <p:nvCxnSpPr>
-          <p:cNvPr id="15" name="Connector de fletxa recta 14"/>
-          <p:cNvCxnSpPr/>
-          <p:nvPr/>
-        </p:nvCxnSpPr>
-        <p:spPr>
-          <a:xfrm>
-            <a:off x="8048847" y="5725629"/>
-            <a:ext cx="1073888" cy="0"/>
-          </a:xfrm>
-          <a:prstGeom prst="straightConnector1">
-            <a:avLst/>
-          </a:prstGeom>
-          <a:ln>
-            <a:tailEnd type="arrow"/>
-          </a:ln>
-        </p:spPr>
-        <p:style>
-          <a:lnRef idx="1">
-            <a:schemeClr val="accent1"/>
-          </a:lnRef>
-          <a:fillRef idx="0">
-            <a:schemeClr val="accent1"/>
-          </a:fillRef>
-          <a:effectRef idx="0">
-            <a:schemeClr val="accent1"/>
-          </a:effectRef>
-          <a:fontRef idx="minor">
-            <a:schemeClr val="tx1"/>
-          </a:fontRef>
-        </p:style>
-      </p:cxnSp>
-      <p:pic>
-        <p:nvPicPr>
-          <p:cNvPr id="16" name="Imatge 15"/>
-          <p:cNvPicPr>
-            <a:picLocks noChangeAspect="1"/>
-          </p:cNvPicPr>
-          <p:nvPr/>
-        </p:nvPicPr>
-        <p:blipFill rotWithShape="1">
-          <a:blip r:embed="rId5">
-            <a:extLst>
-              <a:ext uri="{28A0092B-C50C-407E-A947-70E740481C1C}">
-                <a14:useLocalDpi xmlns:a14="http://schemas.microsoft.com/office/drawing/2010/main" val="0"/>
-              </a:ext>
-            </a:extLst>
-          </a:blip>
-          <a:srcRect l="8734" t="16046" r="5024" b="17907"/>
-          <a:stretch/>
-        </p:blipFill>
-        <p:spPr>
-          <a:xfrm>
-            <a:off x="9579936" y="5082363"/>
-            <a:ext cx="1679944" cy="1286536"/>
+            <a:off x="1850066" y="3919898"/>
+            <a:ext cx="4136064" cy="2712173"/>
           </a:xfrm>
           <a:prstGeom prst="rect">
             <a:avLst/>
@@ -7420,12 +7173,114 @@
         <p:spPr>
           <a:xfrm>
             <a:off x="903163" y="956272"/>
-            <a:ext cx="10353762" cy="4058751"/>
+            <a:ext cx="10353762" cy="5008593"/>
           </a:xfrm>
         </p:spPr>
         <p:txBody>
-          <a:bodyPr/>
+          <a:bodyPr>
+            <a:normAutofit/>
+          </a:bodyPr>
           <a:lstStyle/>
+          <a:p>
+            <a:r>
+              <a:rPr lang="es-ES" b="1" dirty="0"/>
+              <a:t>INPUT</a:t>
+            </a:r>
+          </a:p>
+          <a:p>
+            <a:pPr lvl="1"/>
+            <a:r>
+              <a:rPr lang="es-ES" dirty="0" err="1"/>
+              <a:t>Slice</a:t>
+            </a:r>
+            <a:r>
+              <a:rPr lang="es-ES" dirty="0"/>
+              <a:t> </a:t>
+            </a:r>
+            <a:r>
+              <a:rPr lang="es-ES" dirty="0" err="1"/>
+              <a:t>by</a:t>
+            </a:r>
+            <a:r>
+              <a:rPr lang="es-ES" dirty="0"/>
+              <a:t> </a:t>
+            </a:r>
+            <a:r>
+              <a:rPr lang="es-ES" dirty="0" err="1"/>
+              <a:t>slice</a:t>
+            </a:r>
+            <a:r>
+              <a:rPr lang="es-ES" dirty="0"/>
+              <a:t> </a:t>
+            </a:r>
+            <a:r>
+              <a:rPr lang="es-ES" dirty="0" err="1"/>
+              <a:t>comparison</a:t>
+            </a:r>
+            <a:r>
+              <a:rPr lang="es-ES" dirty="0"/>
+              <a:t>: blocks </a:t>
+            </a:r>
+            <a:r>
+              <a:rPr lang="es-ES" dirty="0" err="1"/>
+              <a:t>with</a:t>
+            </a:r>
+            <a:r>
+              <a:rPr lang="es-ES" dirty="0"/>
+              <a:t> 4 </a:t>
+            </a:r>
+            <a:r>
+              <a:rPr lang="es-ES" dirty="0" err="1"/>
+              <a:t>channels</a:t>
+            </a:r>
+            <a:endParaRPr lang="es-ES" dirty="0"/>
+          </a:p>
+          <a:p>
+            <a:pPr lvl="1"/>
+            <a:r>
+              <a:rPr lang="es-ES" dirty="0" err="1"/>
+              <a:t>Example</a:t>
+            </a:r>
+            <a:r>
+              <a:rPr lang="es-ES" dirty="0"/>
+              <a:t>: 4th </a:t>
+            </a:r>
+            <a:r>
+              <a:rPr lang="es-ES" dirty="0" err="1"/>
+              <a:t>Patient</a:t>
+            </a:r>
+            <a:r>
+              <a:rPr lang="es-ES" dirty="0"/>
+              <a:t>          </a:t>
+            </a:r>
+            <a:r>
+              <a:rPr lang="es-ES" dirty="0" err="1"/>
+              <a:t>slices</a:t>
+            </a:r>
+            <a:r>
+              <a:rPr lang="es-ES" dirty="0"/>
+              <a:t> 77th </a:t>
+            </a:r>
+            <a:endParaRPr lang="es-ES" dirty="0" smtClean="0"/>
+          </a:p>
+          <a:p>
+            <a:pPr lvl="1"/>
+            <a:endParaRPr lang="es-ES" b="1" dirty="0"/>
+          </a:p>
+          <a:p>
+            <a:pPr lvl="1"/>
+            <a:endParaRPr lang="es-ES" b="1" dirty="0" smtClean="0"/>
+          </a:p>
+          <a:p>
+            <a:pPr lvl="1"/>
+            <a:endParaRPr lang="es-ES" b="1" dirty="0" smtClean="0"/>
+          </a:p>
+          <a:p>
+            <a:endParaRPr lang="es-ES" b="1" dirty="0" smtClean="0"/>
+          </a:p>
+          <a:p>
+            <a:endParaRPr lang="es-ES" b="1" dirty="0" smtClean="0"/>
+          </a:p>
           <a:p>
             <a:r>
               <a:rPr lang="es-ES" b="1" dirty="0" smtClean="0"/>
@@ -7440,7 +7295,7 @@
             <a:pPr lvl="1"/>
             <a:r>
               <a:rPr lang="es-ES" dirty="0" err="1" smtClean="0"/>
-              <a:t>One</a:t>
+              <a:t>Four</a:t>
             </a:r>
             <a:r>
               <a:rPr lang="es-ES" dirty="0" smtClean="0"/>
@@ -7448,15 +7303,19 @@
             </a:r>
             <a:r>
               <a:rPr lang="es-ES" dirty="0" err="1" smtClean="0"/>
-              <a:t>channel</a:t>
+              <a:t>classes</a:t>
             </a:r>
             <a:r>
               <a:rPr lang="es-ES" dirty="0" smtClean="0"/>
-              <a:t> vs </a:t>
-            </a:r>
+              <a:t>: {0, 1, 2, 3}</a:t>
+            </a:r>
+            <a:endParaRPr lang="es-ES" dirty="0" smtClean="0"/>
+          </a:p>
+          <a:p>
+            <a:pPr lvl="1"/>
             <a:r>
               <a:rPr lang="es-ES" dirty="0" err="1" smtClean="0"/>
-              <a:t>one-hot</a:t>
+              <a:t>Binarizing</a:t>
             </a:r>
             <a:r>
               <a:rPr lang="es-ES" dirty="0" smtClean="0"/>
@@ -7464,15 +7323,7 @@
             </a:r>
             <a:r>
               <a:rPr lang="es-ES" dirty="0" err="1" smtClean="0"/>
-              <a:t>encoding</a:t>
-            </a:r>
-            <a:endParaRPr lang="es-ES" dirty="0" smtClean="0"/>
-          </a:p>
-          <a:p>
-            <a:pPr lvl="1"/>
-            <a:r>
-              <a:rPr lang="es-ES" dirty="0" err="1" smtClean="0"/>
-              <a:t>Binarizing</a:t>
+              <a:t>the</a:t>
             </a:r>
             <a:r>
               <a:rPr lang="es-ES" dirty="0" smtClean="0"/>
@@ -7480,92 +7331,262 @@
             </a:r>
             <a:r>
               <a:rPr lang="es-ES" dirty="0" err="1" smtClean="0"/>
-              <a:t>the</a:t>
+              <a:t>labels</a:t>
+            </a:r>
+            <a:r>
+              <a:rPr lang="es-ES" dirty="0" smtClean="0"/>
+              <a:t>: </a:t>
+            </a:r>
+            <a:r>
+              <a:rPr lang="es-ES" dirty="0" smtClean="0"/>
+              <a:t>non-</a:t>
+            </a:r>
+            <a:r>
+              <a:rPr lang="es-ES" dirty="0" err="1" smtClean="0"/>
+              <a:t>tumour</a:t>
             </a:r>
             <a:r>
               <a:rPr lang="es-ES" dirty="0" smtClean="0"/>
               <a:t> </a:t>
             </a:r>
             <a:r>
-              <a:rPr lang="es-ES" dirty="0" err="1" smtClean="0"/>
-              <a:t>labels</a:t>
-            </a:r>
-            <a:r>
               <a:rPr lang="es-ES" dirty="0" smtClean="0"/>
-              <a:t>: </a:t>
+              <a:t>/ </a:t>
             </a:r>
             <a:r>
               <a:rPr lang="es-ES" dirty="0" err="1" smtClean="0"/>
               <a:t>tumour</a:t>
             </a:r>
-            <a:r>
-              <a:rPr lang="es-ES" dirty="0" smtClean="0"/>
-              <a:t> / non-</a:t>
-            </a:r>
-            <a:r>
-              <a:rPr lang="es-ES" dirty="0" err="1" smtClean="0"/>
-              <a:t>tumour</a:t>
-            </a:r>
             <a:endParaRPr lang="es-ES" dirty="0" smtClean="0"/>
           </a:p>
-          <a:p>
-            <a:r>
-              <a:rPr lang="es-ES" b="1" dirty="0" smtClean="0"/>
-              <a:t>ARCHITECTURE</a:t>
-            </a:r>
-            <a:r>
-              <a:rPr lang="es-ES" dirty="0" smtClean="0"/>
-              <a:t>:  U-Net</a:t>
-            </a:r>
-          </a:p>
-          <a:p>
-            <a:pPr lvl="1"/>
-            <a:r>
-              <a:rPr lang="es-ES" dirty="0" err="1" smtClean="0"/>
-              <a:t>Keras</a:t>
-            </a:r>
-            <a:endParaRPr lang="es-ES" dirty="0" smtClean="0"/>
-          </a:p>
-          <a:p>
-            <a:pPr lvl="1"/>
-            <a:r>
-              <a:rPr lang="es-ES" dirty="0" err="1" smtClean="0"/>
-              <a:t>Tensorflow</a:t>
-            </a:r>
-            <a:endParaRPr lang="es-ES" dirty="0" smtClean="0"/>
-          </a:p>
-        </p:txBody>
-      </p:sp>
-      <p:pic>
-        <p:nvPicPr>
-          <p:cNvPr id="5" name="Imatge 4"/>
-          <p:cNvPicPr>
-            <a:picLocks noChangeAspect="1"/>
-          </p:cNvPicPr>
+        </p:txBody>
+      </p:sp>
+      <p:grpSp>
+        <p:nvGrpSpPr>
+          <p:cNvPr id="4" name="Agrupa 3"/>
+          <p:cNvGrpSpPr/>
           <p:nvPr/>
-        </p:nvPicPr>
-        <p:blipFill>
-          <a:blip r:embed="rId2">
-            <a:extLst>
-              <a:ext uri="{28A0092B-C50C-407E-A947-70E740481C1C}">
-                <a14:useLocalDpi xmlns:a14="http://schemas.microsoft.com/office/drawing/2010/main" val="0"/>
-              </a:ext>
-            </a:extLst>
-          </a:blip>
-          <a:stretch>
-            <a:fillRect/>
-          </a:stretch>
-        </p:blipFill>
+        </p:nvGrpSpPr>
+        <p:grpSpPr>
+          <a:xfrm>
+            <a:off x="1414130" y="2328524"/>
+            <a:ext cx="10324215" cy="1286542"/>
+            <a:chOff x="935665" y="5082360"/>
+            <a:chExt cx="10324215" cy="1286542"/>
+          </a:xfrm>
+        </p:grpSpPr>
+        <p:pic>
+          <p:nvPicPr>
+            <p:cNvPr id="6" name="Imatge 5"/>
+            <p:cNvPicPr>
+              <a:picLocks noChangeAspect="1"/>
+            </p:cNvPicPr>
+            <p:nvPr/>
+          </p:nvPicPr>
+          <p:blipFill rotWithShape="1">
+            <a:blip r:embed="rId2">
+              <a:extLst>
+                <a:ext uri="{28A0092B-C50C-407E-A947-70E740481C1C}">
+                  <a14:useLocalDpi xmlns:a14="http://schemas.microsoft.com/office/drawing/2010/main" val="0"/>
+                </a:ext>
+              </a:extLst>
+            </a:blip>
+            <a:srcRect l="8181" t="15110" r="14437" b="15014"/>
+            <a:stretch/>
+          </p:blipFill>
+          <p:spPr>
+            <a:xfrm>
+              <a:off x="935665" y="5082362"/>
+              <a:ext cx="1424762" cy="1286539"/>
+            </a:xfrm>
+            <a:prstGeom prst="rect">
+              <a:avLst/>
+            </a:prstGeom>
+          </p:spPr>
+        </p:pic>
+        <p:pic>
+          <p:nvPicPr>
+            <p:cNvPr id="7" name="Imatge 6"/>
+            <p:cNvPicPr>
+              <a:picLocks noChangeAspect="1"/>
+            </p:cNvPicPr>
+            <p:nvPr/>
+          </p:nvPicPr>
+          <p:blipFill rotWithShape="1">
+            <a:blip r:embed="rId3">
+              <a:extLst>
+                <a:ext uri="{28A0092B-C50C-407E-A947-70E740481C1C}">
+                  <a14:useLocalDpi xmlns:a14="http://schemas.microsoft.com/office/drawing/2010/main" val="0"/>
+                </a:ext>
+              </a:extLst>
+            </a:blip>
+            <a:srcRect l="7025" t="15110" r="14438" b="15014"/>
+            <a:stretch/>
+          </p:blipFill>
+          <p:spPr>
+            <a:xfrm>
+              <a:off x="2785727" y="5082361"/>
+              <a:ext cx="1446029" cy="1286539"/>
+            </a:xfrm>
+            <a:prstGeom prst="rect">
+              <a:avLst/>
+            </a:prstGeom>
+          </p:spPr>
+        </p:pic>
+        <p:pic>
+          <p:nvPicPr>
+            <p:cNvPr id="8" name="Imatge 7"/>
+            <p:cNvPicPr>
+              <a:picLocks noChangeAspect="1"/>
+            </p:cNvPicPr>
+            <p:nvPr/>
+          </p:nvPicPr>
+          <p:blipFill rotWithShape="1">
+            <a:blip r:embed="rId4">
+              <a:extLst>
+                <a:ext uri="{28A0092B-C50C-407E-A947-70E740481C1C}">
+                  <a14:useLocalDpi xmlns:a14="http://schemas.microsoft.com/office/drawing/2010/main" val="0"/>
+                </a:ext>
+              </a:extLst>
+            </a:blip>
+            <a:srcRect l="9336" t="15110" r="16169" b="15014"/>
+            <a:stretch/>
+          </p:blipFill>
+          <p:spPr>
+            <a:xfrm>
+              <a:off x="4614530" y="5082363"/>
+              <a:ext cx="1371601" cy="1286539"/>
+            </a:xfrm>
+            <a:prstGeom prst="rect">
+              <a:avLst/>
+            </a:prstGeom>
+          </p:spPr>
+        </p:pic>
+        <p:pic>
+          <p:nvPicPr>
+            <p:cNvPr id="9" name="Imatge 8"/>
+            <p:cNvPicPr>
+              <a:picLocks noChangeAspect="1"/>
+            </p:cNvPicPr>
+            <p:nvPr/>
+          </p:nvPicPr>
+          <p:blipFill rotWithShape="1">
+            <a:blip r:embed="rId4">
+              <a:extLst>
+                <a:ext uri="{28A0092B-C50C-407E-A947-70E740481C1C}">
+                  <a14:useLocalDpi xmlns:a14="http://schemas.microsoft.com/office/drawing/2010/main" val="0"/>
+                </a:ext>
+              </a:extLst>
+            </a:blip>
+            <a:srcRect l="9913" t="15110" r="18479" b="15014"/>
+            <a:stretch/>
+          </p:blipFill>
+          <p:spPr>
+            <a:xfrm>
+              <a:off x="6411432" y="5082360"/>
+              <a:ext cx="1318437" cy="1286539"/>
+            </a:xfrm>
+            <a:prstGeom prst="rect">
+              <a:avLst/>
+            </a:prstGeom>
+          </p:spPr>
+        </p:pic>
+        <p:cxnSp>
+          <p:nvCxnSpPr>
+            <p:cNvPr id="10" name="Connector de fletxa recta 9"/>
+            <p:cNvCxnSpPr/>
+            <p:nvPr/>
+          </p:nvCxnSpPr>
+          <p:spPr>
+            <a:xfrm>
+              <a:off x="8048847" y="5725629"/>
+              <a:ext cx="1073888" cy="0"/>
+            </a:xfrm>
+            <a:prstGeom prst="straightConnector1">
+              <a:avLst/>
+            </a:prstGeom>
+            <a:ln>
+              <a:tailEnd type="arrow"/>
+            </a:ln>
+          </p:spPr>
+          <p:style>
+            <a:lnRef idx="1">
+              <a:schemeClr val="accent1"/>
+            </a:lnRef>
+            <a:fillRef idx="0">
+              <a:schemeClr val="accent1"/>
+            </a:fillRef>
+            <a:effectRef idx="0">
+              <a:schemeClr val="accent1"/>
+            </a:effectRef>
+            <a:fontRef idx="minor">
+              <a:schemeClr val="tx1"/>
+            </a:fontRef>
+          </p:style>
+        </p:cxnSp>
+        <p:pic>
+          <p:nvPicPr>
+            <p:cNvPr id="11" name="Imatge 10"/>
+            <p:cNvPicPr>
+              <a:picLocks noChangeAspect="1"/>
+            </p:cNvPicPr>
+            <p:nvPr/>
+          </p:nvPicPr>
+          <p:blipFill rotWithShape="1">
+            <a:blip r:embed="rId5">
+              <a:extLst>
+                <a:ext uri="{28A0092B-C50C-407E-A947-70E740481C1C}">
+                  <a14:useLocalDpi xmlns:a14="http://schemas.microsoft.com/office/drawing/2010/main" val="0"/>
+                </a:ext>
+              </a:extLst>
+            </a:blip>
+            <a:srcRect l="8734" t="16046" r="5024" b="17907"/>
+            <a:stretch/>
+          </p:blipFill>
+          <p:spPr>
+            <a:xfrm>
+              <a:off x="9579936" y="5082363"/>
+              <a:ext cx="1679944" cy="1286536"/>
+            </a:xfrm>
+            <a:prstGeom prst="rect">
+              <a:avLst/>
+            </a:prstGeom>
+          </p:spPr>
+        </p:pic>
+      </p:grpSp>
+      <p:cxnSp>
+        <p:nvCxnSpPr>
+          <p:cNvPr id="12" name="Connector de fletxa recta 11"/>
+          <p:cNvCxnSpPr/>
+          <p:nvPr/>
+        </p:nvCxnSpPr>
         <p:spPr>
-          <a:xfrm>
-            <a:off x="3215505" y="2718421"/>
-            <a:ext cx="5566987" cy="3650483"/>
+          <a:xfrm flipV="1">
+            <a:off x="3934048" y="1998920"/>
+            <a:ext cx="276446" cy="1"/>
           </a:xfrm>
-          <a:prstGeom prst="rect">
+          <a:prstGeom prst="straightConnector1">
             <a:avLst/>
           </a:prstGeom>
+          <a:ln>
+            <a:tailEnd type="arrow"/>
+          </a:ln>
         </p:spPr>
-      </p:pic>
+        <p:style>
+          <a:lnRef idx="1">
+            <a:schemeClr val="accent1"/>
+          </a:lnRef>
+          <a:fillRef idx="0">
+            <a:schemeClr val="accent1"/>
+          </a:fillRef>
+          <a:effectRef idx="0">
+            <a:schemeClr val="accent1"/>
+          </a:effectRef>
+          <a:fontRef idx="minor">
+            <a:schemeClr val="tx1"/>
+          </a:fontRef>
+        </p:style>
+      </p:cxnSp>
     </p:spTree>
     <p:extLst>
       <p:ext uri="{BB962C8B-B14F-4D97-AF65-F5344CB8AC3E}">
@@ -8364,7 +8385,7 @@
   <a:extraClrSchemeLst/>
   <a:extLst>
     <a:ext uri="{05A4C25C-085E-4340-85A3-A5531E510DB2}">
-      <thm15:themeFamily xmlns="" xmlns:thm15="http://schemas.microsoft.com/office/thememl/2012/main" name="Slate" id="{C3F70B94-7CE9-428E-ADC1-3269CC2C3385}" vid="{43372978-11FE-4814-AC26-BC300187D8C7}"/>
+      <thm15:themeFamily xmlns:thm15="http://schemas.microsoft.com/office/thememl/2012/main" xmlns="" name="Slate" id="{C3F70B94-7CE9-428E-ADC1-3269CC2C3385}" vid="{43372978-11FE-4814-AC26-BC300187D8C7}"/>
     </a:ext>
   </a:extLst>
 </a:theme>

--- a/BrainScan_19.pptx
+++ b/BrainScan_19.pptx
@@ -7069,9 +7069,6 @@
               </a:rPr>
               <a:t>U-Net</a:t>
             </a:r>
-            <a:endParaRPr lang="es-ES" dirty="0" smtClean="0">
-              <a:effectLst/>
-            </a:endParaRPr>
           </a:p>
           <a:p>
             <a:pPr lvl="1"/>
@@ -7309,7 +7306,6 @@
               <a:rPr lang="es-ES" dirty="0" smtClean="0"/>
               <a:t>: {0, 1, 2, 3}</a:t>
             </a:r>
-            <a:endParaRPr lang="es-ES" dirty="0" smtClean="0"/>
           </a:p>
           <a:p>
             <a:pPr lvl="1"/>
@@ -7335,11 +7331,7 @@
             </a:r>
             <a:r>
               <a:rPr lang="es-ES" dirty="0" smtClean="0"/>
-              <a:t>: </a:t>
-            </a:r>
-            <a:r>
-              <a:rPr lang="es-ES" dirty="0" smtClean="0"/>
-              <a:t>non-</a:t>
+              <a:t>: non-</a:t>
             </a:r>
             <a:r>
               <a:rPr lang="es-ES" dirty="0" err="1" smtClean="0"/>
@@ -7347,11 +7339,7 @@
             </a:r>
             <a:r>
               <a:rPr lang="es-ES" dirty="0" smtClean="0"/>
-              <a:t> </a:t>
-            </a:r>
-            <a:r>
-              <a:rPr lang="es-ES" dirty="0" smtClean="0"/>
-              <a:t>/ </a:t>
+              <a:t> / </a:t>
             </a:r>
             <a:r>
               <a:rPr lang="es-ES" dirty="0" err="1" smtClean="0"/>
@@ -7587,6 +7575,35 @@
           </a:fontRef>
         </p:style>
       </p:cxnSp>
+      <p:pic>
+        <p:nvPicPr>
+          <p:cNvPr id="5" name="Imatge 4"/>
+          <p:cNvPicPr>
+            <a:picLocks noChangeAspect="1"/>
+          </p:cNvPicPr>
+          <p:nvPr/>
+        </p:nvPicPr>
+        <p:blipFill rotWithShape="1">
+          <a:blip r:embed="rId6">
+            <a:extLst>
+              <a:ext uri="{28A0092B-C50C-407E-A947-70E740481C1C}">
+                <a14:useLocalDpi xmlns:a14="http://schemas.microsoft.com/office/drawing/2010/main" val="0"/>
+              </a:ext>
+            </a:extLst>
+          </a:blip>
+          <a:srcRect l="5697" t="15528" r="13391" b="15526"/>
+          <a:stretch/>
+        </p:blipFill>
+        <p:spPr>
+          <a:xfrm>
+            <a:off x="6804837" y="2328525"/>
+            <a:ext cx="1509823" cy="1286542"/>
+          </a:xfrm>
+          <a:prstGeom prst="rect">
+            <a:avLst/>
+          </a:prstGeom>
+        </p:spPr>
+      </p:pic>
     </p:spTree>
     <p:extLst>
       <p:ext uri="{BB962C8B-B14F-4D97-AF65-F5344CB8AC3E}">
@@ -8385,7 +8402,7 @@
   <a:extraClrSchemeLst/>
   <a:extLst>
     <a:ext uri="{05A4C25C-085E-4340-85A3-A5531E510DB2}">
-      <thm15:themeFamily xmlns:thm15="http://schemas.microsoft.com/office/thememl/2012/main" xmlns="" name="Slate" id="{C3F70B94-7CE9-428E-ADC1-3269CC2C3385}" vid="{43372978-11FE-4814-AC26-BC300187D8C7}"/>
+      <thm15:themeFamily xmlns="" xmlns:thm15="http://schemas.microsoft.com/office/thememl/2012/main" name="Slate" id="{C3F70B94-7CE9-428E-ADC1-3269CC2C3385}" vid="{43372978-11FE-4814-AC26-BC300187D8C7}"/>
     </a:ext>
   </a:extLst>
 </a:theme>

--- a/BrainScan_19.pptx
+++ b/BrainScan_19.pptx
@@ -10,9 +10,12 @@
     <p:sldId id="258" r:id="rId4"/>
     <p:sldId id="259" r:id="rId5"/>
     <p:sldId id="260" r:id="rId6"/>
-    <p:sldId id="261" r:id="rId7"/>
-    <p:sldId id="262" r:id="rId8"/>
-    <p:sldId id="263" r:id="rId9"/>
+    <p:sldId id="264" r:id="rId7"/>
+    <p:sldId id="266" r:id="rId8"/>
+    <p:sldId id="267" r:id="rId9"/>
+    <p:sldId id="261" r:id="rId10"/>
+    <p:sldId id="268" r:id="rId11"/>
+    <p:sldId id="263" r:id="rId12"/>
   </p:sldIdLst>
   <p:sldSz cx="12192000" cy="6858000"/>
   <p:notesSz cx="6858000" cy="9144000"/>
@@ -111,6 +114,22 @@
       </a:defRPr>
     </a:lvl9pPr>
   </p:defaultTextStyle>
+  <p:extLst>
+    <p:ext uri="{EFAFB233-063F-42B5-8137-9DF3F51BA10A}">
+      <p15:sldGuideLst xmlns:p15="http://schemas.microsoft.com/office/powerpoint/2012/main">
+        <p15:guide id="1" orient="horz" pos="2160">
+          <p15:clr>
+            <a:srgbClr val="A4A3A4"/>
+          </p15:clr>
+        </p15:guide>
+        <p15:guide id="2" pos="3840">
+          <p15:clr>
+            <a:srgbClr val="A4A3A4"/>
+          </p15:clr>
+        </p15:guide>
+      </p15:sldGuideLst>
+    </p:ext>
+  </p:extLst>
 </p:presentation>
 </file>
 
@@ -299,7 +318,7 @@
           <a:p>
             <a:fld id="{EE895416-E363-4EB7-B047-44D1B519B0DC}" type="datetimeFigureOut">
               <a:rPr lang="es-ES" smtClean="0"/>
-              <a:t>01/07/2019</a:t>
+              <a:t>02/07/2019</a:t>
             </a:fld>
             <a:endParaRPr lang="es-ES"/>
           </a:p>
@@ -341,7 +360,7 @@
           <a:p>
             <a:fld id="{84BC6C5B-5A03-405F-997F-55113B615560}" type="slidenum">
               <a:rPr lang="es-ES" smtClean="0"/>
-              <a:t>‹#›</a:t>
+              <a:t>‹Nº›</a:t>
             </a:fld>
             <a:endParaRPr lang="es-ES"/>
           </a:p>
@@ -597,7 +616,7 @@
           <a:p>
             <a:fld id="{EE895416-E363-4EB7-B047-44D1B519B0DC}" type="datetimeFigureOut">
               <a:rPr lang="es-ES" smtClean="0"/>
-              <a:t>01/07/2019</a:t>
+              <a:t>02/07/2019</a:t>
             </a:fld>
             <a:endParaRPr lang="es-ES"/>
           </a:p>
@@ -639,7 +658,7 @@
           <a:p>
             <a:fld id="{84BC6C5B-5A03-405F-997F-55113B615560}" type="slidenum">
               <a:rPr lang="es-ES" smtClean="0"/>
-              <a:t>‹#›</a:t>
+              <a:t>‹Nº›</a:t>
             </a:fld>
             <a:endParaRPr lang="es-ES"/>
           </a:p>
@@ -789,7 +808,7 @@
           <a:p>
             <a:fld id="{EE895416-E363-4EB7-B047-44D1B519B0DC}" type="datetimeFigureOut">
               <a:rPr lang="es-ES" smtClean="0"/>
-              <a:t>01/07/2019</a:t>
+              <a:t>02/07/2019</a:t>
             </a:fld>
             <a:endParaRPr lang="es-ES"/>
           </a:p>
@@ -831,7 +850,7 @@
           <a:p>
             <a:fld id="{84BC6C5B-5A03-405F-997F-55113B615560}" type="slidenum">
               <a:rPr lang="es-ES" smtClean="0"/>
-              <a:t>‹#›</a:t>
+              <a:t>‹Nº›</a:t>
             </a:fld>
             <a:endParaRPr lang="es-ES"/>
           </a:p>
@@ -1050,7 +1069,7 @@
           <a:p>
             <a:fld id="{EE895416-E363-4EB7-B047-44D1B519B0DC}" type="datetimeFigureOut">
               <a:rPr lang="es-ES" smtClean="0"/>
-              <a:t>01/07/2019</a:t>
+              <a:t>02/07/2019</a:t>
             </a:fld>
             <a:endParaRPr lang="es-ES"/>
           </a:p>
@@ -1092,7 +1111,7 @@
           <a:p>
             <a:fld id="{84BC6C5B-5A03-405F-997F-55113B615560}" type="slidenum">
               <a:rPr lang="es-ES" smtClean="0"/>
-              <a:t>‹#›</a:t>
+              <a:t>‹Nº›</a:t>
             </a:fld>
             <a:endParaRPr lang="es-ES"/>
           </a:p>
@@ -1474,7 +1493,7 @@
           <a:p>
             <a:fld id="{EE895416-E363-4EB7-B047-44D1B519B0DC}" type="datetimeFigureOut">
               <a:rPr lang="es-ES" smtClean="0"/>
-              <a:t>01/07/2019</a:t>
+              <a:t>02/07/2019</a:t>
             </a:fld>
             <a:endParaRPr lang="es-ES"/>
           </a:p>
@@ -1516,7 +1535,7 @@
           <a:p>
             <a:fld id="{84BC6C5B-5A03-405F-997F-55113B615560}" type="slidenum">
               <a:rPr lang="es-ES" smtClean="0"/>
-              <a:t>‹#›</a:t>
+              <a:t>‹Nº›</a:t>
             </a:fld>
             <a:endParaRPr lang="es-ES"/>
           </a:p>
@@ -2011,7 +2030,7 @@
           <a:p>
             <a:fld id="{EE895416-E363-4EB7-B047-44D1B519B0DC}" type="datetimeFigureOut">
               <a:rPr lang="es-ES" smtClean="0"/>
-              <a:t>01/07/2019</a:t>
+              <a:t>02/07/2019</a:t>
             </a:fld>
             <a:endParaRPr lang="es-ES"/>
           </a:p>
@@ -2053,7 +2072,7 @@
           <a:p>
             <a:fld id="{84BC6C5B-5A03-405F-997F-55113B615560}" type="slidenum">
               <a:rPr lang="es-ES" smtClean="0"/>
-              <a:t>‹#›</a:t>
+              <a:t>‹Nº›</a:t>
             </a:fld>
             <a:endParaRPr lang="es-ES"/>
           </a:p>
@@ -2875,7 +2894,7 @@
           <a:p>
             <a:fld id="{EE895416-E363-4EB7-B047-44D1B519B0DC}" type="datetimeFigureOut">
               <a:rPr lang="es-ES" smtClean="0"/>
-              <a:t>01/07/2019</a:t>
+              <a:t>02/07/2019</a:t>
             </a:fld>
             <a:endParaRPr lang="es-ES"/>
           </a:p>
@@ -2917,7 +2936,7 @@
           <a:p>
             <a:fld id="{84BC6C5B-5A03-405F-997F-55113B615560}" type="slidenum">
               <a:rPr lang="es-ES" smtClean="0"/>
-              <a:t>‹#›</a:t>
+              <a:t>‹Nº›</a:t>
             </a:fld>
             <a:endParaRPr lang="es-ES"/>
           </a:p>
@@ -3045,7 +3064,7 @@
           <a:p>
             <a:fld id="{EE895416-E363-4EB7-B047-44D1B519B0DC}" type="datetimeFigureOut">
               <a:rPr lang="es-ES" smtClean="0"/>
-              <a:t>01/07/2019</a:t>
+              <a:t>02/07/2019</a:t>
             </a:fld>
             <a:endParaRPr lang="es-ES"/>
           </a:p>
@@ -3087,7 +3106,7 @@
           <a:p>
             <a:fld id="{84BC6C5B-5A03-405F-997F-55113B615560}" type="slidenum">
               <a:rPr lang="es-ES" smtClean="0"/>
-              <a:t>‹#›</a:t>
+              <a:t>‹Nº›</a:t>
             </a:fld>
             <a:endParaRPr lang="es-ES"/>
           </a:p>
@@ -3229,7 +3248,7 @@
           <a:p>
             <a:fld id="{EE895416-E363-4EB7-B047-44D1B519B0DC}" type="datetimeFigureOut">
               <a:rPr lang="es-ES" smtClean="0"/>
-              <a:t>01/07/2019</a:t>
+              <a:t>02/07/2019</a:t>
             </a:fld>
             <a:endParaRPr lang="es-ES"/>
           </a:p>
@@ -3271,7 +3290,7 @@
           <a:p>
             <a:fld id="{84BC6C5B-5A03-405F-997F-55113B615560}" type="slidenum">
               <a:rPr lang="es-ES" smtClean="0"/>
-              <a:t>‹#›</a:t>
+              <a:t>‹Nº›</a:t>
             </a:fld>
             <a:endParaRPr lang="es-ES"/>
           </a:p>
@@ -3399,7 +3418,7 @@
           <a:p>
             <a:fld id="{EE895416-E363-4EB7-B047-44D1B519B0DC}" type="datetimeFigureOut">
               <a:rPr lang="es-ES" smtClean="0"/>
-              <a:t>01/07/2019</a:t>
+              <a:t>02/07/2019</a:t>
             </a:fld>
             <a:endParaRPr lang="es-ES"/>
           </a:p>
@@ -3441,7 +3460,7 @@
           <a:p>
             <a:fld id="{84BC6C5B-5A03-405F-997F-55113B615560}" type="slidenum">
               <a:rPr lang="es-ES" smtClean="0"/>
-              <a:t>‹#›</a:t>
+              <a:t>‹Nº›</a:t>
             </a:fld>
             <a:endParaRPr lang="es-ES"/>
           </a:p>
@@ -3643,7 +3662,7 @@
           <a:p>
             <a:fld id="{EE895416-E363-4EB7-B047-44D1B519B0DC}" type="datetimeFigureOut">
               <a:rPr lang="es-ES" smtClean="0"/>
-              <a:t>01/07/2019</a:t>
+              <a:t>02/07/2019</a:t>
             </a:fld>
             <a:endParaRPr lang="es-ES"/>
           </a:p>
@@ -3685,7 +3704,7 @@
           <a:p>
             <a:fld id="{84BC6C5B-5A03-405F-997F-55113B615560}" type="slidenum">
               <a:rPr lang="es-ES" smtClean="0"/>
-              <a:t>‹#›</a:t>
+              <a:t>‹Nº›</a:t>
             </a:fld>
             <a:endParaRPr lang="es-ES"/>
           </a:p>
@@ -3879,7 +3898,7 @@
           <a:p>
             <a:fld id="{EE895416-E363-4EB7-B047-44D1B519B0DC}" type="datetimeFigureOut">
               <a:rPr lang="es-ES" smtClean="0"/>
-              <a:t>01/07/2019</a:t>
+              <a:t>02/07/2019</a:t>
             </a:fld>
             <a:endParaRPr lang="es-ES"/>
           </a:p>
@@ -3921,7 +3940,7 @@
           <a:p>
             <a:fld id="{84BC6C5B-5A03-405F-997F-55113B615560}" type="slidenum">
               <a:rPr lang="es-ES" smtClean="0"/>
-              <a:t>‹#›</a:t>
+              <a:t>‹Nº›</a:t>
             </a:fld>
             <a:endParaRPr lang="es-ES"/>
           </a:p>
@@ -4345,7 +4364,7 @@
           <a:p>
             <a:fld id="{EE895416-E363-4EB7-B047-44D1B519B0DC}" type="datetimeFigureOut">
               <a:rPr lang="es-ES" smtClean="0"/>
-              <a:t>01/07/2019</a:t>
+              <a:t>02/07/2019</a:t>
             </a:fld>
             <a:endParaRPr lang="es-ES"/>
           </a:p>
@@ -4387,7 +4406,7 @@
           <a:p>
             <a:fld id="{84BC6C5B-5A03-405F-997F-55113B615560}" type="slidenum">
               <a:rPr lang="es-ES" smtClean="0"/>
-              <a:t>‹#›</a:t>
+              <a:t>‹Nº›</a:t>
             </a:fld>
             <a:endParaRPr lang="es-ES"/>
           </a:p>
@@ -4463,7 +4482,7 @@
           <a:p>
             <a:fld id="{EE895416-E363-4EB7-B047-44D1B519B0DC}" type="datetimeFigureOut">
               <a:rPr lang="es-ES" smtClean="0"/>
-              <a:t>01/07/2019</a:t>
+              <a:t>02/07/2019</a:t>
             </a:fld>
             <a:endParaRPr lang="es-ES"/>
           </a:p>
@@ -4505,7 +4524,7 @@
           <a:p>
             <a:fld id="{84BC6C5B-5A03-405F-997F-55113B615560}" type="slidenum">
               <a:rPr lang="es-ES" smtClean="0"/>
-              <a:t>‹#›</a:t>
+              <a:t>‹Nº›</a:t>
             </a:fld>
             <a:endParaRPr lang="es-ES"/>
           </a:p>
@@ -4558,7 +4577,7 @@
           <a:p>
             <a:fld id="{EE895416-E363-4EB7-B047-44D1B519B0DC}" type="datetimeFigureOut">
               <a:rPr lang="es-ES" smtClean="0"/>
-              <a:t>01/07/2019</a:t>
+              <a:t>02/07/2019</a:t>
             </a:fld>
             <a:endParaRPr lang="es-ES"/>
           </a:p>
@@ -4600,7 +4619,7 @@
           <a:p>
             <a:fld id="{84BC6C5B-5A03-405F-997F-55113B615560}" type="slidenum">
               <a:rPr lang="es-ES" smtClean="0"/>
-              <a:t>‹#›</a:t>
+              <a:t>‹Nº›</a:t>
             </a:fld>
             <a:endParaRPr lang="es-ES"/>
           </a:p>
@@ -4813,7 +4832,7 @@
           <a:p>
             <a:fld id="{EE895416-E363-4EB7-B047-44D1B519B0DC}" type="datetimeFigureOut">
               <a:rPr lang="es-ES" smtClean="0"/>
-              <a:t>01/07/2019</a:t>
+              <a:t>02/07/2019</a:t>
             </a:fld>
             <a:endParaRPr lang="es-ES"/>
           </a:p>
@@ -4855,7 +4874,7 @@
           <a:p>
             <a:fld id="{84BC6C5B-5A03-405F-997F-55113B615560}" type="slidenum">
               <a:rPr lang="es-ES" smtClean="0"/>
-              <a:t>‹#›</a:t>
+              <a:t>‹Nº›</a:t>
             </a:fld>
             <a:endParaRPr lang="es-ES"/>
           </a:p>
@@ -5113,7 +5132,7 @@
           <a:p>
             <a:fld id="{EE895416-E363-4EB7-B047-44D1B519B0DC}" type="datetimeFigureOut">
               <a:rPr lang="es-ES" smtClean="0"/>
-              <a:t>01/07/2019</a:t>
+              <a:t>02/07/2019</a:t>
             </a:fld>
             <a:endParaRPr lang="es-ES"/>
           </a:p>
@@ -5155,7 +5174,7 @@
           <a:p>
             <a:fld id="{84BC6C5B-5A03-405F-997F-55113B615560}" type="slidenum">
               <a:rPr lang="es-ES" smtClean="0"/>
-              <a:t>‹#›</a:t>
+              <a:t>‹Nº›</a:t>
             </a:fld>
             <a:endParaRPr lang="es-ES"/>
           </a:p>
@@ -5347,7 +5366,7 @@
           <a:p>
             <a:fld id="{EE895416-E363-4EB7-B047-44D1B519B0DC}" type="datetimeFigureOut">
               <a:rPr lang="es-ES" smtClean="0"/>
-              <a:t>01/07/2019</a:t>
+              <a:t>02/07/2019</a:t>
             </a:fld>
             <a:endParaRPr lang="es-ES"/>
           </a:p>
@@ -5439,7 +5458,7 @@
           <a:p>
             <a:fld id="{84BC6C5B-5A03-405F-997F-55113B615560}" type="slidenum">
               <a:rPr lang="es-ES" smtClean="0"/>
-              <a:t>‹#›</a:t>
+              <a:t>‹Nº›</a:t>
             </a:fld>
             <a:endParaRPr lang="es-ES"/>
           </a:p>
@@ -6630,6 +6649,176 @@
 </p:sld>
 </file>
 
+<file path=ppt/slides/slide10.xml><?xml version="1.0" encoding="utf-8"?>
+<p:sld xmlns:a="http://schemas.openxmlformats.org/drawingml/2006/main" xmlns:r="http://schemas.openxmlformats.org/officeDocument/2006/relationships" xmlns:p="http://schemas.openxmlformats.org/presentationml/2006/main">
+  <p:cSld>
+    <p:spTree>
+      <p:nvGrpSpPr>
+        <p:cNvPr id="1" name=""/>
+        <p:cNvGrpSpPr/>
+        <p:nvPr/>
+      </p:nvGrpSpPr>
+      <p:grpSpPr>
+        <a:xfrm>
+          <a:off x="0" y="0"/>
+          <a:ext cx="0" cy="0"/>
+          <a:chOff x="0" y="0"/>
+          <a:chExt cx="0" cy="0"/>
+        </a:xfrm>
+      </p:grpSpPr>
+      <p:sp>
+        <p:nvSpPr>
+          <p:cNvPr id="2" name="Título 1"/>
+          <p:cNvSpPr>
+            <a:spLocks noGrp="1"/>
+          </p:cNvSpPr>
+          <p:nvPr>
+            <p:ph type="title"/>
+          </p:nvPr>
+        </p:nvSpPr>
+        <p:spPr/>
+        <p:txBody>
+          <a:bodyPr/>
+          <a:lstStyle/>
+          <a:p>
+            <a:r>
+              <a:rPr lang="es-ES" dirty="0" smtClean="0"/>
+              <a:t>DEMO</a:t>
+            </a:r>
+            <a:endParaRPr lang="es-ES" dirty="0"/>
+          </a:p>
+        </p:txBody>
+      </p:sp>
+      <p:sp>
+        <p:nvSpPr>
+          <p:cNvPr id="3" name="Marcador de contenido 2"/>
+          <p:cNvSpPr>
+            <a:spLocks noGrp="1"/>
+          </p:cNvSpPr>
+          <p:nvPr>
+            <p:ph idx="1"/>
+          </p:nvPr>
+        </p:nvSpPr>
+        <p:spPr/>
+        <p:txBody>
+          <a:bodyPr/>
+          <a:lstStyle/>
+          <a:p>
+            <a:r>
+              <a:rPr lang="es-ES" dirty="0" smtClean="0"/>
+              <a:t>Test</a:t>
+            </a:r>
+          </a:p>
+          <a:p>
+            <a:pPr lvl="1"/>
+            <a:r>
+              <a:rPr lang="es-ES" dirty="0" err="1" smtClean="0"/>
+              <a:t>Binari</a:t>
+            </a:r>
+            <a:endParaRPr lang="es-ES" dirty="0" smtClean="0"/>
+          </a:p>
+          <a:p>
+            <a:pPr lvl="1"/>
+            <a:r>
+              <a:rPr lang="es-ES" dirty="0" smtClean="0"/>
+              <a:t>RGB</a:t>
+            </a:r>
+            <a:endParaRPr lang="es-ES" dirty="0"/>
+          </a:p>
+        </p:txBody>
+      </p:sp>
+    </p:spTree>
+    <p:extLst>
+      <p:ext uri="{BB962C8B-B14F-4D97-AF65-F5344CB8AC3E}">
+        <p14:creationId xmlns:p14="http://schemas.microsoft.com/office/powerpoint/2010/main" val="1945753776"/>
+      </p:ext>
+    </p:extLst>
+  </p:cSld>
+  <p:clrMapOvr>
+    <a:masterClrMapping/>
+  </p:clrMapOvr>
+</p:sld>
+</file>
+
+<file path=ppt/slides/slide11.xml><?xml version="1.0" encoding="utf-8"?>
+<p:sld xmlns:a="http://schemas.openxmlformats.org/drawingml/2006/main" xmlns:r="http://schemas.openxmlformats.org/officeDocument/2006/relationships" xmlns:p="http://schemas.openxmlformats.org/presentationml/2006/main">
+  <p:cSld>
+    <p:spTree>
+      <p:nvGrpSpPr>
+        <p:cNvPr id="1" name=""/>
+        <p:cNvGrpSpPr/>
+        <p:nvPr/>
+      </p:nvGrpSpPr>
+      <p:grpSpPr>
+        <a:xfrm>
+          <a:off x="0" y="0"/>
+          <a:ext cx="0" cy="0"/>
+          <a:chOff x="0" y="0"/>
+          <a:chExt cx="0" cy="0"/>
+        </a:xfrm>
+      </p:grpSpPr>
+      <p:sp>
+        <p:nvSpPr>
+          <p:cNvPr id="2" name="Title 1"/>
+          <p:cNvSpPr>
+            <a:spLocks noGrp="1"/>
+          </p:cNvSpPr>
+          <p:nvPr>
+            <p:ph type="title"/>
+          </p:nvPr>
+        </p:nvSpPr>
+        <p:spPr/>
+        <p:txBody>
+          <a:bodyPr/>
+          <a:lstStyle/>
+          <a:p>
+            <a:r>
+              <a:rPr lang="es-ES" smtClean="0"/>
+              <a:t>Q&amp;A</a:t>
+            </a:r>
+            <a:endParaRPr lang="es-ES"/>
+          </a:p>
+        </p:txBody>
+      </p:sp>
+      <p:sp>
+        <p:nvSpPr>
+          <p:cNvPr id="3" name="Content Placeholder 2"/>
+          <p:cNvSpPr>
+            <a:spLocks noGrp="1"/>
+          </p:cNvSpPr>
+          <p:nvPr>
+            <p:ph idx="1"/>
+          </p:nvPr>
+        </p:nvSpPr>
+        <p:spPr/>
+        <p:txBody>
+          <a:bodyPr/>
+          <a:lstStyle/>
+          <a:p>
+            <a:endParaRPr lang="es-ES"/>
+          </a:p>
+        </p:txBody>
+      </p:sp>
+    </p:spTree>
+    <p:extLst>
+      <p:ext uri="{BB962C8B-B14F-4D97-AF65-F5344CB8AC3E}">
+        <p14:creationId xmlns:p14="http://schemas.microsoft.com/office/powerpoint/2010/main" val="2666091637"/>
+      </p:ext>
+    </p:extLst>
+  </p:cSld>
+  <p:clrMapOvr>
+    <a:masterClrMapping/>
+  </p:clrMapOvr>
+  <p:timing>
+    <p:tnLst>
+      <p:par>
+        <p:cTn id="1" dur="indefinite" restart="never" nodeType="tmRoot"/>
+      </p:par>
+    </p:tnLst>
+  </p:timing>
+</p:sld>
+</file>
+
 <file path=ppt/slides/slide2.xml><?xml version="1.0" encoding="utf-8"?>
 <p:sld xmlns:a="http://schemas.openxmlformats.org/drawingml/2006/main" xmlns:r="http://schemas.openxmlformats.org/officeDocument/2006/relationships" xmlns:p="http://schemas.openxmlformats.org/presentationml/2006/main">
   <p:cSld>
@@ -7112,8 +7301,8 @@
         </p:blipFill>
         <p:spPr>
           <a:xfrm>
-            <a:off x="1850066" y="3919898"/>
-            <a:ext cx="4136064" cy="2712173"/>
+            <a:off x="6074876" y="3645404"/>
+            <a:ext cx="4238811" cy="2779548"/>
           </a:xfrm>
           <a:prstGeom prst="rect">
             <a:avLst/>
@@ -7658,7 +7847,7 @@
           <a:p>
             <a:r>
               <a:rPr lang="es-ES" dirty="0" err="1" smtClean="0"/>
-              <a:t>Implementation</a:t>
+              <a:t>Preprocessing</a:t>
             </a:r>
             <a:endParaRPr lang="es-ES" dirty="0"/>
           </a:p>
@@ -7758,9 +7947,27 @@
             <a:endParaRPr lang="es-ES" dirty="0" smtClean="0"/>
           </a:p>
           <a:p>
+            <a:endParaRPr lang="es-ES" dirty="0"/>
+          </a:p>
+          <a:p>
+            <a:pPr lvl="1"/>
+            <a:r>
+              <a:rPr lang="es-ES" dirty="0" smtClean="0"/>
+              <a:t>LITTLE ISSUES,. INT64 QUE OCUPA LA DE DIOS</a:t>
+            </a:r>
+          </a:p>
+          <a:p>
+            <a:pPr lvl="1"/>
+            <a:r>
+              <a:rPr lang="es-ES" dirty="0" smtClean="0"/>
+              <a:t>50/50</a:t>
+            </a:r>
+          </a:p>
+          <a:p>
+            <a:pPr lvl="1"/>
             <a:r>
               <a:rPr lang="es-ES" dirty="0" err="1" smtClean="0"/>
-              <a:t>How</a:t>
+              <a:t>Treure</a:t>
             </a:r>
             <a:r>
               <a:rPr lang="es-ES" dirty="0" smtClean="0"/>
@@ -7768,7 +7975,7 @@
             </a:r>
             <a:r>
               <a:rPr lang="es-ES" dirty="0" err="1" smtClean="0"/>
-              <a:t>we</a:t>
+              <a:t>els</a:t>
             </a:r>
             <a:r>
               <a:rPr lang="es-ES" dirty="0" smtClean="0"/>
@@ -7776,45 +7983,391 @@
             </a:r>
             <a:r>
               <a:rPr lang="es-ES" dirty="0" err="1" smtClean="0"/>
-              <a:t>implemented</a:t>
-            </a:r>
-            <a:r>
-              <a:rPr lang="es-ES" dirty="0" smtClean="0"/>
-              <a:t> </a:t>
-            </a:r>
-            <a:r>
-              <a:rPr lang="es-ES" dirty="0" err="1" smtClean="0"/>
-              <a:t>the</a:t>
-            </a:r>
-            <a:r>
-              <a:rPr lang="es-ES" dirty="0" smtClean="0"/>
-              <a:t> </a:t>
-            </a:r>
-            <a:r>
-              <a:rPr lang="es-ES" dirty="0" err="1" smtClean="0"/>
-              <a:t>model</a:t>
-            </a:r>
-            <a:r>
-              <a:rPr lang="es-ES" dirty="0" smtClean="0"/>
-              <a:t> (</a:t>
-            </a:r>
-            <a:r>
-              <a:rPr lang="es-ES" dirty="0" err="1" smtClean="0"/>
-              <a:t>loss</a:t>
-            </a:r>
-            <a:r>
-              <a:rPr lang="es-ES" dirty="0" smtClean="0"/>
-              <a:t>, </a:t>
-            </a:r>
-            <a:r>
-              <a:rPr lang="es-ES" dirty="0" err="1" smtClean="0"/>
-              <a:t>layers</a:t>
-            </a:r>
-            <a:r>
-              <a:rPr lang="es-ES" dirty="0" smtClean="0"/>
-              <a:t>….)</a:t>
-            </a:r>
-            <a:endParaRPr lang="es-ES" dirty="0"/>
+              <a:t>negres</a:t>
+            </a:r>
+            <a:endParaRPr lang="es-ES" dirty="0" smtClean="0"/>
+          </a:p>
+        </p:txBody>
+      </p:sp>
+      <p:sp>
+        <p:nvSpPr>
+          <p:cNvPr id="4" name="Content Placeholder 2"/>
+          <p:cNvSpPr txBox="1">
+            <a:spLocks/>
+          </p:cNvSpPr>
+          <p:nvPr/>
+        </p:nvSpPr>
+        <p:spPr>
+          <a:xfrm>
+            <a:off x="1066195" y="3793402"/>
+            <a:ext cx="9490146" cy="2150198"/>
+          </a:xfrm>
+          <a:prstGeom prst="rect">
+            <a:avLst/>
+          </a:prstGeom>
+          <a:effectLst>
+            <a:outerShdw blurRad="25400" dir="17880000">
+              <a:srgbClr val="000000">
+                <a:alpha val="46000"/>
+              </a:srgbClr>
+            </a:outerShdw>
+          </a:effectLst>
+        </p:spPr>
+        <p:txBody>
+          <a:bodyPr vert="horz" lIns="91440" tIns="45720" rIns="91440" bIns="45720" rtlCol="0" anchor="t">
+            <a:normAutofit/>
+          </a:bodyPr>
+          <a:lstStyle>
+            <a:lvl1pPr marL="342900" indent="-306000" algn="l" defTabSz="457200" rtl="0" eaLnBrk="1" latinLnBrk="0" hangingPunct="1">
+              <a:spcBef>
+                <a:spcPct val="20000"/>
+              </a:spcBef>
+              <a:spcAft>
+                <a:spcPts val="600"/>
+              </a:spcAft>
+              <a:buClr>
+                <a:schemeClr val="tx2"/>
+              </a:buClr>
+              <a:buSzPct val="70000"/>
+              <a:buFont typeface="Wingdings 2" charset="2"/>
+              <a:buChar char=""/>
+              <a:defRPr sz="2000" kern="1200">
+                <a:ln>
+                  <a:solidFill>
+                    <a:schemeClr val="bg1">
+                      <a:lumMod val="75000"/>
+                      <a:lumOff val="25000"/>
+                      <a:alpha val="10000"/>
+                    </a:schemeClr>
+                  </a:solidFill>
+                </a:ln>
+                <a:solidFill>
+                  <a:schemeClr val="tx2"/>
+                </a:solidFill>
+                <a:effectLst>
+                  <a:outerShdw blurRad="9525" dist="25400" dir="14640000" algn="tl" rotWithShape="0">
+                    <a:schemeClr val="bg1">
+                      <a:alpha val="30000"/>
+                    </a:schemeClr>
+                  </a:outerShdw>
+                </a:effectLst>
+                <a:latin typeface="+mn-lt"/>
+                <a:ea typeface="+mn-ea"/>
+                <a:cs typeface="+mn-cs"/>
+              </a:defRPr>
+            </a:lvl1pPr>
+            <a:lvl2pPr marL="720000" indent="-270000" algn="l" defTabSz="457200" rtl="0" eaLnBrk="1" latinLnBrk="0" hangingPunct="1">
+              <a:spcBef>
+                <a:spcPct val="20000"/>
+              </a:spcBef>
+              <a:spcAft>
+                <a:spcPts val="600"/>
+              </a:spcAft>
+              <a:buClr>
+                <a:schemeClr val="tx2"/>
+              </a:buClr>
+              <a:buSzPct val="70000"/>
+              <a:buFont typeface="Wingdings 2" charset="2"/>
+              <a:buChar char=""/>
+              <a:defRPr sz="1800" kern="1200">
+                <a:ln>
+                  <a:solidFill>
+                    <a:schemeClr val="bg1">
+                      <a:lumMod val="75000"/>
+                      <a:lumOff val="25000"/>
+                      <a:alpha val="10000"/>
+                    </a:schemeClr>
+                  </a:solidFill>
+                </a:ln>
+                <a:solidFill>
+                  <a:schemeClr val="tx2"/>
+                </a:solidFill>
+                <a:effectLst>
+                  <a:outerShdw blurRad="9525" dist="25400" dir="14640000" algn="tl" rotWithShape="0">
+                    <a:schemeClr val="bg1">
+                      <a:alpha val="30000"/>
+                    </a:schemeClr>
+                  </a:outerShdw>
+                </a:effectLst>
+                <a:latin typeface="+mn-lt"/>
+                <a:ea typeface="+mn-ea"/>
+                <a:cs typeface="+mn-cs"/>
+              </a:defRPr>
+            </a:lvl2pPr>
+            <a:lvl3pPr marL="1026000" indent="-216000" algn="l" defTabSz="457200" rtl="0" eaLnBrk="1" latinLnBrk="0" hangingPunct="1">
+              <a:spcBef>
+                <a:spcPct val="20000"/>
+              </a:spcBef>
+              <a:spcAft>
+                <a:spcPts val="600"/>
+              </a:spcAft>
+              <a:buClr>
+                <a:schemeClr val="tx2"/>
+              </a:buClr>
+              <a:buSzPct val="70000"/>
+              <a:buFont typeface="Wingdings 2" charset="2"/>
+              <a:buChar char=""/>
+              <a:defRPr sz="1600" kern="1200">
+                <a:ln>
+                  <a:solidFill>
+                    <a:schemeClr val="bg1">
+                      <a:lumMod val="75000"/>
+                      <a:lumOff val="25000"/>
+                      <a:alpha val="10000"/>
+                    </a:schemeClr>
+                  </a:solidFill>
+                </a:ln>
+                <a:solidFill>
+                  <a:schemeClr val="tx2"/>
+                </a:solidFill>
+                <a:effectLst>
+                  <a:outerShdw blurRad="9525" dist="25400" dir="14640000" algn="tl" rotWithShape="0">
+                    <a:schemeClr val="bg1">
+                      <a:alpha val="30000"/>
+                    </a:schemeClr>
+                  </a:outerShdw>
+                </a:effectLst>
+                <a:latin typeface="+mn-lt"/>
+                <a:ea typeface="+mn-ea"/>
+                <a:cs typeface="+mn-cs"/>
+              </a:defRPr>
+            </a:lvl3pPr>
+            <a:lvl4pPr marL="1386000" indent="-216000" algn="l" defTabSz="457200" rtl="0" eaLnBrk="1" latinLnBrk="0" hangingPunct="1">
+              <a:spcBef>
+                <a:spcPct val="20000"/>
+              </a:spcBef>
+              <a:spcAft>
+                <a:spcPts val="600"/>
+              </a:spcAft>
+              <a:buClr>
+                <a:schemeClr val="tx2"/>
+              </a:buClr>
+              <a:buSzPct val="70000"/>
+              <a:buFont typeface="Wingdings 2" charset="2"/>
+              <a:buChar char=""/>
+              <a:defRPr sz="1400" kern="1200">
+                <a:ln>
+                  <a:solidFill>
+                    <a:schemeClr val="bg1">
+                      <a:lumMod val="75000"/>
+                      <a:lumOff val="25000"/>
+                      <a:alpha val="10000"/>
+                    </a:schemeClr>
+                  </a:solidFill>
+                </a:ln>
+                <a:solidFill>
+                  <a:schemeClr val="tx2"/>
+                </a:solidFill>
+                <a:effectLst>
+                  <a:outerShdw blurRad="9525" dist="25400" dir="14640000" algn="tl" rotWithShape="0">
+                    <a:schemeClr val="bg1">
+                      <a:alpha val="30000"/>
+                    </a:schemeClr>
+                  </a:outerShdw>
+                </a:effectLst>
+                <a:latin typeface="+mn-lt"/>
+                <a:ea typeface="+mn-ea"/>
+                <a:cs typeface="+mn-cs"/>
+              </a:defRPr>
+            </a:lvl4pPr>
+            <a:lvl5pPr marL="1674000" indent="-216000" algn="l" defTabSz="457200" rtl="0" eaLnBrk="1" latinLnBrk="0" hangingPunct="1">
+              <a:spcBef>
+                <a:spcPct val="20000"/>
+              </a:spcBef>
+              <a:spcAft>
+                <a:spcPts val="600"/>
+              </a:spcAft>
+              <a:buClr>
+                <a:schemeClr val="tx2"/>
+              </a:buClr>
+              <a:buSzPct val="70000"/>
+              <a:buFont typeface="Wingdings 2" charset="2"/>
+              <a:buChar char=""/>
+              <a:defRPr sz="1400" kern="1200">
+                <a:ln>
+                  <a:solidFill>
+                    <a:schemeClr val="bg1">
+                      <a:lumMod val="75000"/>
+                      <a:lumOff val="25000"/>
+                      <a:alpha val="10000"/>
+                    </a:schemeClr>
+                  </a:solidFill>
+                </a:ln>
+                <a:solidFill>
+                  <a:schemeClr val="tx2"/>
+                </a:solidFill>
+                <a:effectLst>
+                  <a:outerShdw blurRad="9525" dist="25400" dir="14640000" algn="tl" rotWithShape="0">
+                    <a:schemeClr val="bg1">
+                      <a:alpha val="30000"/>
+                    </a:schemeClr>
+                  </a:outerShdw>
+                </a:effectLst>
+                <a:latin typeface="+mn-lt"/>
+                <a:ea typeface="+mn-ea"/>
+                <a:cs typeface="+mn-cs"/>
+              </a:defRPr>
+            </a:lvl5pPr>
+            <a:lvl6pPr marL="2014600" indent="-228600" algn="l" defTabSz="457200" rtl="0" eaLnBrk="1" latinLnBrk="0" hangingPunct="1">
+              <a:spcBef>
+                <a:spcPct val="20000"/>
+              </a:spcBef>
+              <a:spcAft>
+                <a:spcPts val="600"/>
+              </a:spcAft>
+              <a:buClr>
+                <a:schemeClr val="tx2"/>
+              </a:buClr>
+              <a:buSzPct val="70000"/>
+              <a:buFont typeface="Wingdings 2" charset="2"/>
+              <a:buChar char=""/>
+              <a:defRPr sz="1400" kern="1200">
+                <a:ln>
+                  <a:solidFill>
+                    <a:schemeClr val="bg1">
+                      <a:lumMod val="75000"/>
+                      <a:lumOff val="25000"/>
+                      <a:alpha val="10000"/>
+                    </a:schemeClr>
+                  </a:solidFill>
+                </a:ln>
+                <a:solidFill>
+                  <a:schemeClr val="tx2"/>
+                </a:solidFill>
+                <a:effectLst>
+                  <a:outerShdw blurRad="9525" dist="25400" dir="14640000" algn="tl" rotWithShape="0">
+                    <a:schemeClr val="bg1">
+                      <a:alpha val="30000"/>
+                    </a:schemeClr>
+                  </a:outerShdw>
+                </a:effectLst>
+                <a:latin typeface="+mn-lt"/>
+                <a:ea typeface="+mn-ea"/>
+                <a:cs typeface="+mn-cs"/>
+              </a:defRPr>
+            </a:lvl6pPr>
+            <a:lvl7pPr marL="2401800" indent="-228600" algn="l" defTabSz="457200" rtl="0" eaLnBrk="1" latinLnBrk="0" hangingPunct="1">
+              <a:spcBef>
+                <a:spcPct val="20000"/>
+              </a:spcBef>
+              <a:spcAft>
+                <a:spcPts val="600"/>
+              </a:spcAft>
+              <a:buClr>
+                <a:schemeClr val="tx2"/>
+              </a:buClr>
+              <a:buSzPct val="70000"/>
+              <a:buFont typeface="Wingdings 2" charset="2"/>
+              <a:buChar char=""/>
+              <a:defRPr sz="1400" kern="1200">
+                <a:ln>
+                  <a:solidFill>
+                    <a:schemeClr val="bg1">
+                      <a:lumMod val="75000"/>
+                      <a:lumOff val="25000"/>
+                      <a:alpha val="10000"/>
+                    </a:schemeClr>
+                  </a:solidFill>
+                </a:ln>
+                <a:solidFill>
+                  <a:schemeClr val="tx2"/>
+                </a:solidFill>
+                <a:effectLst>
+                  <a:outerShdw blurRad="9525" dist="25400" dir="14640000" algn="tl" rotWithShape="0">
+                    <a:schemeClr val="bg1">
+                      <a:alpha val="30000"/>
+                    </a:schemeClr>
+                  </a:outerShdw>
+                </a:effectLst>
+                <a:latin typeface="+mn-lt"/>
+                <a:ea typeface="+mn-ea"/>
+                <a:cs typeface="+mn-cs"/>
+              </a:defRPr>
+            </a:lvl7pPr>
+            <a:lvl8pPr marL="2789000" indent="-228600" algn="l" defTabSz="457200" rtl="0" eaLnBrk="1" latinLnBrk="0" hangingPunct="1">
+              <a:spcBef>
+                <a:spcPct val="20000"/>
+              </a:spcBef>
+              <a:spcAft>
+                <a:spcPts val="600"/>
+              </a:spcAft>
+              <a:buClr>
+                <a:schemeClr val="tx2"/>
+              </a:buClr>
+              <a:buSzPct val="70000"/>
+              <a:buFont typeface="Wingdings 2" charset="2"/>
+              <a:buChar char=""/>
+              <a:defRPr sz="1400" kern="1200">
+                <a:ln>
+                  <a:solidFill>
+                    <a:schemeClr val="bg1">
+                      <a:lumMod val="75000"/>
+                      <a:lumOff val="25000"/>
+                      <a:alpha val="10000"/>
+                    </a:schemeClr>
+                  </a:solidFill>
+                </a:ln>
+                <a:solidFill>
+                  <a:schemeClr val="tx2"/>
+                </a:solidFill>
+                <a:effectLst>
+                  <a:outerShdw blurRad="9525" dist="25400" dir="14640000" algn="tl" rotWithShape="0">
+                    <a:schemeClr val="bg1">
+                      <a:alpha val="30000"/>
+                    </a:schemeClr>
+                  </a:outerShdw>
+                </a:effectLst>
+                <a:latin typeface="+mn-lt"/>
+                <a:ea typeface="+mn-ea"/>
+                <a:cs typeface="+mn-cs"/>
+              </a:defRPr>
+            </a:lvl8pPr>
+            <a:lvl9pPr marL="3106200" indent="-228600" algn="l" defTabSz="457200" rtl="0" eaLnBrk="1" latinLnBrk="0" hangingPunct="1">
+              <a:spcBef>
+                <a:spcPct val="20000"/>
+              </a:spcBef>
+              <a:spcAft>
+                <a:spcPts val="600"/>
+              </a:spcAft>
+              <a:buClr>
+                <a:schemeClr val="tx2"/>
+              </a:buClr>
+              <a:buSzPct val="70000"/>
+              <a:buFont typeface="Wingdings 2" charset="2"/>
+              <a:buChar char=""/>
+              <a:defRPr sz="1400" kern="1200">
+                <a:ln>
+                  <a:solidFill>
+                    <a:schemeClr val="bg1">
+                      <a:lumMod val="75000"/>
+                      <a:lumOff val="25000"/>
+                      <a:alpha val="10000"/>
+                    </a:schemeClr>
+                  </a:solidFill>
+                </a:ln>
+                <a:solidFill>
+                  <a:schemeClr val="tx2"/>
+                </a:solidFill>
+                <a:effectLst>
+                  <a:outerShdw blurRad="9525" dist="25400" dir="14640000" algn="tl" rotWithShape="0">
+                    <a:schemeClr val="bg1">
+                      <a:alpha val="30000"/>
+                    </a:schemeClr>
+                  </a:outerShdw>
+                </a:effectLst>
+                <a:latin typeface="+mn-lt"/>
+                <a:ea typeface="+mn-ea"/>
+                <a:cs typeface="+mn-cs"/>
+              </a:defRPr>
+            </a:lvl9pPr>
+          </a:lstStyle>
+          <a:p>
+            <a:pPr algn="ctr"/>
+            <a:r>
+              <a:rPr lang="es-ES" sz="4400" dirty="0" smtClean="0"/>
+              <a:t>DAVID</a:t>
+            </a:r>
+            <a:endParaRPr lang="es-ES" sz="4400" dirty="0"/>
           </a:p>
         </p:txBody>
       </p:sp>
@@ -7872,7 +8425,7 @@
           <a:p>
             <a:r>
               <a:rPr lang="es-ES" dirty="0" err="1" smtClean="0"/>
-              <a:t>Issues</a:t>
+              <a:t>Implementation</a:t>
             </a:r>
             <a:endParaRPr lang="es-ES" dirty="0"/>
           </a:p>
@@ -7894,93 +8447,453 @@
           <a:lstStyle/>
           <a:p>
             <a:r>
+              <a:rPr lang="es-ES" dirty="0" err="1"/>
+              <a:t>How</a:t>
+            </a:r>
+            <a:r>
+              <a:rPr lang="es-ES" dirty="0"/>
+              <a:t> </a:t>
+            </a:r>
+            <a:r>
+              <a:rPr lang="es-ES" dirty="0" err="1"/>
+              <a:t>we</a:t>
+            </a:r>
+            <a:r>
+              <a:rPr lang="es-ES" dirty="0"/>
+              <a:t> </a:t>
+            </a:r>
+            <a:r>
+              <a:rPr lang="es-ES" dirty="0" err="1"/>
+              <a:t>implemented</a:t>
+            </a:r>
+            <a:r>
+              <a:rPr lang="es-ES" dirty="0"/>
+              <a:t> </a:t>
+            </a:r>
+            <a:r>
+              <a:rPr lang="es-ES" dirty="0" err="1"/>
+              <a:t>the</a:t>
+            </a:r>
+            <a:r>
+              <a:rPr lang="es-ES" dirty="0"/>
+              <a:t> </a:t>
+            </a:r>
+            <a:r>
+              <a:rPr lang="es-ES" dirty="0" err="1"/>
+              <a:t>model</a:t>
+            </a:r>
+            <a:r>
+              <a:rPr lang="es-ES" dirty="0"/>
+              <a:t> </a:t>
+            </a:r>
+            <a:r>
+              <a:rPr lang="es-ES" dirty="0" smtClean="0"/>
+              <a:t>(</a:t>
+            </a:r>
+            <a:r>
               <a:rPr lang="es-ES" dirty="0" err="1" smtClean="0"/>
-              <a:t>List</a:t>
+              <a:t>dataset</a:t>
             </a:r>
             <a:r>
               <a:rPr lang="es-ES" dirty="0" smtClean="0"/>
-              <a:t> and </a:t>
-            </a:r>
+              <a:t> lin47….)</a:t>
+            </a:r>
+          </a:p>
+          <a:p>
             <a:r>
               <a:rPr lang="es-ES" dirty="0" err="1" smtClean="0"/>
-              <a:t>brief</a:t>
-            </a:r>
-            <a:r>
-              <a:rPr lang="es-ES" dirty="0" smtClean="0"/>
-              <a:t> </a:t>
-            </a:r>
-            <a:r>
-              <a:rPr lang="es-ES" dirty="0" err="1" smtClean="0"/>
-              <a:t>explanation</a:t>
-            </a:r>
-            <a:r>
-              <a:rPr lang="es-ES" dirty="0" smtClean="0"/>
-              <a:t> of </a:t>
-            </a:r>
-            <a:r>
-              <a:rPr lang="es-ES" dirty="0" err="1" smtClean="0"/>
-              <a:t>all</a:t>
-            </a:r>
-            <a:r>
-              <a:rPr lang="es-ES" dirty="0" smtClean="0"/>
-              <a:t> </a:t>
-            </a:r>
-            <a:r>
-              <a:rPr lang="es-ES" dirty="0" err="1" smtClean="0"/>
-              <a:t>the</a:t>
-            </a:r>
-            <a:r>
-              <a:rPr lang="es-ES" dirty="0" smtClean="0"/>
-              <a:t> </a:t>
-            </a:r>
-            <a:r>
-              <a:rPr lang="es-ES" dirty="0" err="1" smtClean="0"/>
-              <a:t>issues</a:t>
-            </a:r>
-            <a:r>
-              <a:rPr lang="es-ES" dirty="0" smtClean="0"/>
-              <a:t> and </a:t>
-            </a:r>
-            <a:r>
-              <a:rPr lang="es-ES" dirty="0" err="1" smtClean="0"/>
-              <a:t>problems</a:t>
-            </a:r>
-            <a:r>
-              <a:rPr lang="es-ES" dirty="0" smtClean="0"/>
-              <a:t> </a:t>
-            </a:r>
-            <a:r>
-              <a:rPr lang="es-ES" dirty="0" err="1" smtClean="0"/>
-              <a:t>we</a:t>
-            </a:r>
-            <a:r>
-              <a:rPr lang="es-ES" dirty="0" smtClean="0"/>
-              <a:t> </a:t>
-            </a:r>
-            <a:r>
-              <a:rPr lang="es-ES" dirty="0" err="1" smtClean="0"/>
-              <a:t>have</a:t>
-            </a:r>
-            <a:r>
-              <a:rPr lang="es-ES" dirty="0" smtClean="0"/>
-              <a:t> </a:t>
-            </a:r>
-            <a:r>
-              <a:rPr lang="es-ES" dirty="0" err="1" smtClean="0"/>
-              <a:t>faced</a:t>
-            </a:r>
-            <a:r>
-              <a:rPr lang="es-ES" dirty="0" smtClean="0"/>
-              <a:t>.</a:t>
+              <a:t>Crop</a:t>
             </a:r>
             <a:endParaRPr lang="es-ES" dirty="0"/>
+          </a:p>
+        </p:txBody>
+      </p:sp>
+      <p:sp>
+        <p:nvSpPr>
+          <p:cNvPr id="4" name="Content Placeholder 2"/>
+          <p:cNvSpPr txBox="1">
+            <a:spLocks/>
+          </p:cNvSpPr>
+          <p:nvPr/>
+        </p:nvSpPr>
+        <p:spPr>
+          <a:xfrm>
+            <a:off x="1066195" y="3793402"/>
+            <a:ext cx="9490146" cy="2150198"/>
+          </a:xfrm>
+          <a:prstGeom prst="rect">
+            <a:avLst/>
+          </a:prstGeom>
+          <a:effectLst>
+            <a:outerShdw blurRad="25400" dir="17880000">
+              <a:srgbClr val="000000">
+                <a:alpha val="46000"/>
+              </a:srgbClr>
+            </a:outerShdw>
+          </a:effectLst>
+        </p:spPr>
+        <p:txBody>
+          <a:bodyPr vert="horz" lIns="91440" tIns="45720" rIns="91440" bIns="45720" rtlCol="0" anchor="t">
+            <a:normAutofit/>
+          </a:bodyPr>
+          <a:lstStyle>
+            <a:lvl1pPr marL="342900" indent="-306000" algn="l" defTabSz="457200" rtl="0" eaLnBrk="1" latinLnBrk="0" hangingPunct="1">
+              <a:spcBef>
+                <a:spcPct val="20000"/>
+              </a:spcBef>
+              <a:spcAft>
+                <a:spcPts val="600"/>
+              </a:spcAft>
+              <a:buClr>
+                <a:schemeClr val="tx2"/>
+              </a:buClr>
+              <a:buSzPct val="70000"/>
+              <a:buFont typeface="Wingdings 2" charset="2"/>
+              <a:buChar char=""/>
+              <a:defRPr sz="2000" kern="1200">
+                <a:ln>
+                  <a:solidFill>
+                    <a:schemeClr val="bg1">
+                      <a:lumMod val="75000"/>
+                      <a:lumOff val="25000"/>
+                      <a:alpha val="10000"/>
+                    </a:schemeClr>
+                  </a:solidFill>
+                </a:ln>
+                <a:solidFill>
+                  <a:schemeClr val="tx2"/>
+                </a:solidFill>
+                <a:effectLst>
+                  <a:outerShdw blurRad="9525" dist="25400" dir="14640000" algn="tl" rotWithShape="0">
+                    <a:schemeClr val="bg1">
+                      <a:alpha val="30000"/>
+                    </a:schemeClr>
+                  </a:outerShdw>
+                </a:effectLst>
+                <a:latin typeface="+mn-lt"/>
+                <a:ea typeface="+mn-ea"/>
+                <a:cs typeface="+mn-cs"/>
+              </a:defRPr>
+            </a:lvl1pPr>
+            <a:lvl2pPr marL="720000" indent="-270000" algn="l" defTabSz="457200" rtl="0" eaLnBrk="1" latinLnBrk="0" hangingPunct="1">
+              <a:spcBef>
+                <a:spcPct val="20000"/>
+              </a:spcBef>
+              <a:spcAft>
+                <a:spcPts val="600"/>
+              </a:spcAft>
+              <a:buClr>
+                <a:schemeClr val="tx2"/>
+              </a:buClr>
+              <a:buSzPct val="70000"/>
+              <a:buFont typeface="Wingdings 2" charset="2"/>
+              <a:buChar char=""/>
+              <a:defRPr sz="1800" kern="1200">
+                <a:ln>
+                  <a:solidFill>
+                    <a:schemeClr val="bg1">
+                      <a:lumMod val="75000"/>
+                      <a:lumOff val="25000"/>
+                      <a:alpha val="10000"/>
+                    </a:schemeClr>
+                  </a:solidFill>
+                </a:ln>
+                <a:solidFill>
+                  <a:schemeClr val="tx2"/>
+                </a:solidFill>
+                <a:effectLst>
+                  <a:outerShdw blurRad="9525" dist="25400" dir="14640000" algn="tl" rotWithShape="0">
+                    <a:schemeClr val="bg1">
+                      <a:alpha val="30000"/>
+                    </a:schemeClr>
+                  </a:outerShdw>
+                </a:effectLst>
+                <a:latin typeface="+mn-lt"/>
+                <a:ea typeface="+mn-ea"/>
+                <a:cs typeface="+mn-cs"/>
+              </a:defRPr>
+            </a:lvl2pPr>
+            <a:lvl3pPr marL="1026000" indent="-216000" algn="l" defTabSz="457200" rtl="0" eaLnBrk="1" latinLnBrk="0" hangingPunct="1">
+              <a:spcBef>
+                <a:spcPct val="20000"/>
+              </a:spcBef>
+              <a:spcAft>
+                <a:spcPts val="600"/>
+              </a:spcAft>
+              <a:buClr>
+                <a:schemeClr val="tx2"/>
+              </a:buClr>
+              <a:buSzPct val="70000"/>
+              <a:buFont typeface="Wingdings 2" charset="2"/>
+              <a:buChar char=""/>
+              <a:defRPr sz="1600" kern="1200">
+                <a:ln>
+                  <a:solidFill>
+                    <a:schemeClr val="bg1">
+                      <a:lumMod val="75000"/>
+                      <a:lumOff val="25000"/>
+                      <a:alpha val="10000"/>
+                    </a:schemeClr>
+                  </a:solidFill>
+                </a:ln>
+                <a:solidFill>
+                  <a:schemeClr val="tx2"/>
+                </a:solidFill>
+                <a:effectLst>
+                  <a:outerShdw blurRad="9525" dist="25400" dir="14640000" algn="tl" rotWithShape="0">
+                    <a:schemeClr val="bg1">
+                      <a:alpha val="30000"/>
+                    </a:schemeClr>
+                  </a:outerShdw>
+                </a:effectLst>
+                <a:latin typeface="+mn-lt"/>
+                <a:ea typeface="+mn-ea"/>
+                <a:cs typeface="+mn-cs"/>
+              </a:defRPr>
+            </a:lvl3pPr>
+            <a:lvl4pPr marL="1386000" indent="-216000" algn="l" defTabSz="457200" rtl="0" eaLnBrk="1" latinLnBrk="0" hangingPunct="1">
+              <a:spcBef>
+                <a:spcPct val="20000"/>
+              </a:spcBef>
+              <a:spcAft>
+                <a:spcPts val="600"/>
+              </a:spcAft>
+              <a:buClr>
+                <a:schemeClr val="tx2"/>
+              </a:buClr>
+              <a:buSzPct val="70000"/>
+              <a:buFont typeface="Wingdings 2" charset="2"/>
+              <a:buChar char=""/>
+              <a:defRPr sz="1400" kern="1200">
+                <a:ln>
+                  <a:solidFill>
+                    <a:schemeClr val="bg1">
+                      <a:lumMod val="75000"/>
+                      <a:lumOff val="25000"/>
+                      <a:alpha val="10000"/>
+                    </a:schemeClr>
+                  </a:solidFill>
+                </a:ln>
+                <a:solidFill>
+                  <a:schemeClr val="tx2"/>
+                </a:solidFill>
+                <a:effectLst>
+                  <a:outerShdw blurRad="9525" dist="25400" dir="14640000" algn="tl" rotWithShape="0">
+                    <a:schemeClr val="bg1">
+                      <a:alpha val="30000"/>
+                    </a:schemeClr>
+                  </a:outerShdw>
+                </a:effectLst>
+                <a:latin typeface="+mn-lt"/>
+                <a:ea typeface="+mn-ea"/>
+                <a:cs typeface="+mn-cs"/>
+              </a:defRPr>
+            </a:lvl4pPr>
+            <a:lvl5pPr marL="1674000" indent="-216000" algn="l" defTabSz="457200" rtl="0" eaLnBrk="1" latinLnBrk="0" hangingPunct="1">
+              <a:spcBef>
+                <a:spcPct val="20000"/>
+              </a:spcBef>
+              <a:spcAft>
+                <a:spcPts val="600"/>
+              </a:spcAft>
+              <a:buClr>
+                <a:schemeClr val="tx2"/>
+              </a:buClr>
+              <a:buSzPct val="70000"/>
+              <a:buFont typeface="Wingdings 2" charset="2"/>
+              <a:buChar char=""/>
+              <a:defRPr sz="1400" kern="1200">
+                <a:ln>
+                  <a:solidFill>
+                    <a:schemeClr val="bg1">
+                      <a:lumMod val="75000"/>
+                      <a:lumOff val="25000"/>
+                      <a:alpha val="10000"/>
+                    </a:schemeClr>
+                  </a:solidFill>
+                </a:ln>
+                <a:solidFill>
+                  <a:schemeClr val="tx2"/>
+                </a:solidFill>
+                <a:effectLst>
+                  <a:outerShdw blurRad="9525" dist="25400" dir="14640000" algn="tl" rotWithShape="0">
+                    <a:schemeClr val="bg1">
+                      <a:alpha val="30000"/>
+                    </a:schemeClr>
+                  </a:outerShdw>
+                </a:effectLst>
+                <a:latin typeface="+mn-lt"/>
+                <a:ea typeface="+mn-ea"/>
+                <a:cs typeface="+mn-cs"/>
+              </a:defRPr>
+            </a:lvl5pPr>
+            <a:lvl6pPr marL="2014600" indent="-228600" algn="l" defTabSz="457200" rtl="0" eaLnBrk="1" latinLnBrk="0" hangingPunct="1">
+              <a:spcBef>
+                <a:spcPct val="20000"/>
+              </a:spcBef>
+              <a:spcAft>
+                <a:spcPts val="600"/>
+              </a:spcAft>
+              <a:buClr>
+                <a:schemeClr val="tx2"/>
+              </a:buClr>
+              <a:buSzPct val="70000"/>
+              <a:buFont typeface="Wingdings 2" charset="2"/>
+              <a:buChar char=""/>
+              <a:defRPr sz="1400" kern="1200">
+                <a:ln>
+                  <a:solidFill>
+                    <a:schemeClr val="bg1">
+                      <a:lumMod val="75000"/>
+                      <a:lumOff val="25000"/>
+                      <a:alpha val="10000"/>
+                    </a:schemeClr>
+                  </a:solidFill>
+                </a:ln>
+                <a:solidFill>
+                  <a:schemeClr val="tx2"/>
+                </a:solidFill>
+                <a:effectLst>
+                  <a:outerShdw blurRad="9525" dist="25400" dir="14640000" algn="tl" rotWithShape="0">
+                    <a:schemeClr val="bg1">
+                      <a:alpha val="30000"/>
+                    </a:schemeClr>
+                  </a:outerShdw>
+                </a:effectLst>
+                <a:latin typeface="+mn-lt"/>
+                <a:ea typeface="+mn-ea"/>
+                <a:cs typeface="+mn-cs"/>
+              </a:defRPr>
+            </a:lvl6pPr>
+            <a:lvl7pPr marL="2401800" indent="-228600" algn="l" defTabSz="457200" rtl="0" eaLnBrk="1" latinLnBrk="0" hangingPunct="1">
+              <a:spcBef>
+                <a:spcPct val="20000"/>
+              </a:spcBef>
+              <a:spcAft>
+                <a:spcPts val="600"/>
+              </a:spcAft>
+              <a:buClr>
+                <a:schemeClr val="tx2"/>
+              </a:buClr>
+              <a:buSzPct val="70000"/>
+              <a:buFont typeface="Wingdings 2" charset="2"/>
+              <a:buChar char=""/>
+              <a:defRPr sz="1400" kern="1200">
+                <a:ln>
+                  <a:solidFill>
+                    <a:schemeClr val="bg1">
+                      <a:lumMod val="75000"/>
+                      <a:lumOff val="25000"/>
+                      <a:alpha val="10000"/>
+                    </a:schemeClr>
+                  </a:solidFill>
+                </a:ln>
+                <a:solidFill>
+                  <a:schemeClr val="tx2"/>
+                </a:solidFill>
+                <a:effectLst>
+                  <a:outerShdw blurRad="9525" dist="25400" dir="14640000" algn="tl" rotWithShape="0">
+                    <a:schemeClr val="bg1">
+                      <a:alpha val="30000"/>
+                    </a:schemeClr>
+                  </a:outerShdw>
+                </a:effectLst>
+                <a:latin typeface="+mn-lt"/>
+                <a:ea typeface="+mn-ea"/>
+                <a:cs typeface="+mn-cs"/>
+              </a:defRPr>
+            </a:lvl7pPr>
+            <a:lvl8pPr marL="2789000" indent="-228600" algn="l" defTabSz="457200" rtl="0" eaLnBrk="1" latinLnBrk="0" hangingPunct="1">
+              <a:spcBef>
+                <a:spcPct val="20000"/>
+              </a:spcBef>
+              <a:spcAft>
+                <a:spcPts val="600"/>
+              </a:spcAft>
+              <a:buClr>
+                <a:schemeClr val="tx2"/>
+              </a:buClr>
+              <a:buSzPct val="70000"/>
+              <a:buFont typeface="Wingdings 2" charset="2"/>
+              <a:buChar char=""/>
+              <a:defRPr sz="1400" kern="1200">
+                <a:ln>
+                  <a:solidFill>
+                    <a:schemeClr val="bg1">
+                      <a:lumMod val="75000"/>
+                      <a:lumOff val="25000"/>
+                      <a:alpha val="10000"/>
+                    </a:schemeClr>
+                  </a:solidFill>
+                </a:ln>
+                <a:solidFill>
+                  <a:schemeClr val="tx2"/>
+                </a:solidFill>
+                <a:effectLst>
+                  <a:outerShdw blurRad="9525" dist="25400" dir="14640000" algn="tl" rotWithShape="0">
+                    <a:schemeClr val="bg1">
+                      <a:alpha val="30000"/>
+                    </a:schemeClr>
+                  </a:outerShdw>
+                </a:effectLst>
+                <a:latin typeface="+mn-lt"/>
+                <a:ea typeface="+mn-ea"/>
+                <a:cs typeface="+mn-cs"/>
+              </a:defRPr>
+            </a:lvl8pPr>
+            <a:lvl9pPr marL="3106200" indent="-228600" algn="l" defTabSz="457200" rtl="0" eaLnBrk="1" latinLnBrk="0" hangingPunct="1">
+              <a:spcBef>
+                <a:spcPct val="20000"/>
+              </a:spcBef>
+              <a:spcAft>
+                <a:spcPts val="600"/>
+              </a:spcAft>
+              <a:buClr>
+                <a:schemeClr val="tx2"/>
+              </a:buClr>
+              <a:buSzPct val="70000"/>
+              <a:buFont typeface="Wingdings 2" charset="2"/>
+              <a:buChar char=""/>
+              <a:defRPr sz="1400" kern="1200">
+                <a:ln>
+                  <a:solidFill>
+                    <a:schemeClr val="bg1">
+                      <a:lumMod val="75000"/>
+                      <a:lumOff val="25000"/>
+                      <a:alpha val="10000"/>
+                    </a:schemeClr>
+                  </a:solidFill>
+                </a:ln>
+                <a:solidFill>
+                  <a:schemeClr val="tx2"/>
+                </a:solidFill>
+                <a:effectLst>
+                  <a:outerShdw blurRad="9525" dist="25400" dir="14640000" algn="tl" rotWithShape="0">
+                    <a:schemeClr val="bg1">
+                      <a:alpha val="30000"/>
+                    </a:schemeClr>
+                  </a:outerShdw>
+                </a:effectLst>
+                <a:latin typeface="+mn-lt"/>
+                <a:ea typeface="+mn-ea"/>
+                <a:cs typeface="+mn-cs"/>
+              </a:defRPr>
+            </a:lvl9pPr>
+          </a:lstStyle>
+          <a:p>
+            <a:pPr algn="ctr"/>
+            <a:r>
+              <a:rPr lang="es-ES" sz="4400" dirty="0" smtClean="0"/>
+              <a:t>DAVID</a:t>
+            </a:r>
+            <a:endParaRPr lang="es-ES" sz="4400" dirty="0"/>
           </a:p>
         </p:txBody>
       </p:sp>
     </p:spTree>
     <p:extLst>
       <p:ext uri="{BB962C8B-B14F-4D97-AF65-F5344CB8AC3E}">
-        <p14:creationId xmlns:p14="http://schemas.microsoft.com/office/powerpoint/2010/main" val="16644805"/>
+        <p14:creationId xmlns:p14="http://schemas.microsoft.com/office/powerpoint/2010/main" val="1950191724"/>
       </p:ext>
     </p:extLst>
   </p:cSld>
@@ -8030,8 +8943,8 @@
           <a:lstStyle/>
           <a:p>
             <a:r>
-              <a:rPr lang="es-ES" dirty="0" smtClean="0"/>
-              <a:t>Demo</a:t>
+              <a:rPr lang="es-ES" dirty="0" err="1" smtClean="0"/>
+              <a:t>Implementation</a:t>
             </a:r>
             <a:endParaRPr lang="es-ES" dirty="0"/>
           </a:p>
@@ -8054,23 +8967,410 @@
           <a:p>
             <a:r>
               <a:rPr lang="es-ES" dirty="0" err="1" smtClean="0"/>
-              <a:t>Github</a:t>
-            </a:r>
-            <a:endParaRPr lang="es-ES" dirty="0" smtClean="0"/>
-          </a:p>
-          <a:p>
+              <a:t>Model</a:t>
+            </a:r>
+            <a:r>
+              <a:rPr lang="es-ES" dirty="0" smtClean="0"/>
+              <a:t>, </a:t>
+            </a:r>
             <a:r>
               <a:rPr lang="es-ES" dirty="0" err="1" smtClean="0"/>
-              <a:t>Tensorboard</a:t>
+              <a:t>train</a:t>
+            </a:r>
+            <a:r>
+              <a:rPr lang="es-ES" dirty="0" smtClean="0"/>
+              <a:t> and test</a:t>
             </a:r>
             <a:endParaRPr lang="es-ES" dirty="0"/>
+          </a:p>
+        </p:txBody>
+      </p:sp>
+      <p:sp>
+        <p:nvSpPr>
+          <p:cNvPr id="4" name="Content Placeholder 2"/>
+          <p:cNvSpPr txBox="1">
+            <a:spLocks/>
+          </p:cNvSpPr>
+          <p:nvPr/>
+        </p:nvSpPr>
+        <p:spPr>
+          <a:xfrm>
+            <a:off x="1066195" y="3793402"/>
+            <a:ext cx="9490146" cy="2150198"/>
+          </a:xfrm>
+          <a:prstGeom prst="rect">
+            <a:avLst/>
+          </a:prstGeom>
+          <a:effectLst>
+            <a:outerShdw blurRad="25400" dir="17880000">
+              <a:srgbClr val="000000">
+                <a:alpha val="46000"/>
+              </a:srgbClr>
+            </a:outerShdw>
+          </a:effectLst>
+        </p:spPr>
+        <p:txBody>
+          <a:bodyPr vert="horz" lIns="91440" tIns="45720" rIns="91440" bIns="45720" rtlCol="0" anchor="t">
+            <a:normAutofit/>
+          </a:bodyPr>
+          <a:lstStyle>
+            <a:lvl1pPr marL="342900" indent="-306000" algn="l" defTabSz="457200" rtl="0" eaLnBrk="1" latinLnBrk="0" hangingPunct="1">
+              <a:spcBef>
+                <a:spcPct val="20000"/>
+              </a:spcBef>
+              <a:spcAft>
+                <a:spcPts val="600"/>
+              </a:spcAft>
+              <a:buClr>
+                <a:schemeClr val="tx2"/>
+              </a:buClr>
+              <a:buSzPct val="70000"/>
+              <a:buFont typeface="Wingdings 2" charset="2"/>
+              <a:buChar char=""/>
+              <a:defRPr sz="2000" kern="1200">
+                <a:ln>
+                  <a:solidFill>
+                    <a:schemeClr val="bg1">
+                      <a:lumMod val="75000"/>
+                      <a:lumOff val="25000"/>
+                      <a:alpha val="10000"/>
+                    </a:schemeClr>
+                  </a:solidFill>
+                </a:ln>
+                <a:solidFill>
+                  <a:schemeClr val="tx2"/>
+                </a:solidFill>
+                <a:effectLst>
+                  <a:outerShdw blurRad="9525" dist="25400" dir="14640000" algn="tl" rotWithShape="0">
+                    <a:schemeClr val="bg1">
+                      <a:alpha val="30000"/>
+                    </a:schemeClr>
+                  </a:outerShdw>
+                </a:effectLst>
+                <a:latin typeface="+mn-lt"/>
+                <a:ea typeface="+mn-ea"/>
+                <a:cs typeface="+mn-cs"/>
+              </a:defRPr>
+            </a:lvl1pPr>
+            <a:lvl2pPr marL="720000" indent="-270000" algn="l" defTabSz="457200" rtl="0" eaLnBrk="1" latinLnBrk="0" hangingPunct="1">
+              <a:spcBef>
+                <a:spcPct val="20000"/>
+              </a:spcBef>
+              <a:spcAft>
+                <a:spcPts val="600"/>
+              </a:spcAft>
+              <a:buClr>
+                <a:schemeClr val="tx2"/>
+              </a:buClr>
+              <a:buSzPct val="70000"/>
+              <a:buFont typeface="Wingdings 2" charset="2"/>
+              <a:buChar char=""/>
+              <a:defRPr sz="1800" kern="1200">
+                <a:ln>
+                  <a:solidFill>
+                    <a:schemeClr val="bg1">
+                      <a:lumMod val="75000"/>
+                      <a:lumOff val="25000"/>
+                      <a:alpha val="10000"/>
+                    </a:schemeClr>
+                  </a:solidFill>
+                </a:ln>
+                <a:solidFill>
+                  <a:schemeClr val="tx2"/>
+                </a:solidFill>
+                <a:effectLst>
+                  <a:outerShdw blurRad="9525" dist="25400" dir="14640000" algn="tl" rotWithShape="0">
+                    <a:schemeClr val="bg1">
+                      <a:alpha val="30000"/>
+                    </a:schemeClr>
+                  </a:outerShdw>
+                </a:effectLst>
+                <a:latin typeface="+mn-lt"/>
+                <a:ea typeface="+mn-ea"/>
+                <a:cs typeface="+mn-cs"/>
+              </a:defRPr>
+            </a:lvl2pPr>
+            <a:lvl3pPr marL="1026000" indent="-216000" algn="l" defTabSz="457200" rtl="0" eaLnBrk="1" latinLnBrk="0" hangingPunct="1">
+              <a:spcBef>
+                <a:spcPct val="20000"/>
+              </a:spcBef>
+              <a:spcAft>
+                <a:spcPts val="600"/>
+              </a:spcAft>
+              <a:buClr>
+                <a:schemeClr val="tx2"/>
+              </a:buClr>
+              <a:buSzPct val="70000"/>
+              <a:buFont typeface="Wingdings 2" charset="2"/>
+              <a:buChar char=""/>
+              <a:defRPr sz="1600" kern="1200">
+                <a:ln>
+                  <a:solidFill>
+                    <a:schemeClr val="bg1">
+                      <a:lumMod val="75000"/>
+                      <a:lumOff val="25000"/>
+                      <a:alpha val="10000"/>
+                    </a:schemeClr>
+                  </a:solidFill>
+                </a:ln>
+                <a:solidFill>
+                  <a:schemeClr val="tx2"/>
+                </a:solidFill>
+                <a:effectLst>
+                  <a:outerShdw blurRad="9525" dist="25400" dir="14640000" algn="tl" rotWithShape="0">
+                    <a:schemeClr val="bg1">
+                      <a:alpha val="30000"/>
+                    </a:schemeClr>
+                  </a:outerShdw>
+                </a:effectLst>
+                <a:latin typeface="+mn-lt"/>
+                <a:ea typeface="+mn-ea"/>
+                <a:cs typeface="+mn-cs"/>
+              </a:defRPr>
+            </a:lvl3pPr>
+            <a:lvl4pPr marL="1386000" indent="-216000" algn="l" defTabSz="457200" rtl="0" eaLnBrk="1" latinLnBrk="0" hangingPunct="1">
+              <a:spcBef>
+                <a:spcPct val="20000"/>
+              </a:spcBef>
+              <a:spcAft>
+                <a:spcPts val="600"/>
+              </a:spcAft>
+              <a:buClr>
+                <a:schemeClr val="tx2"/>
+              </a:buClr>
+              <a:buSzPct val="70000"/>
+              <a:buFont typeface="Wingdings 2" charset="2"/>
+              <a:buChar char=""/>
+              <a:defRPr sz="1400" kern="1200">
+                <a:ln>
+                  <a:solidFill>
+                    <a:schemeClr val="bg1">
+                      <a:lumMod val="75000"/>
+                      <a:lumOff val="25000"/>
+                      <a:alpha val="10000"/>
+                    </a:schemeClr>
+                  </a:solidFill>
+                </a:ln>
+                <a:solidFill>
+                  <a:schemeClr val="tx2"/>
+                </a:solidFill>
+                <a:effectLst>
+                  <a:outerShdw blurRad="9525" dist="25400" dir="14640000" algn="tl" rotWithShape="0">
+                    <a:schemeClr val="bg1">
+                      <a:alpha val="30000"/>
+                    </a:schemeClr>
+                  </a:outerShdw>
+                </a:effectLst>
+                <a:latin typeface="+mn-lt"/>
+                <a:ea typeface="+mn-ea"/>
+                <a:cs typeface="+mn-cs"/>
+              </a:defRPr>
+            </a:lvl4pPr>
+            <a:lvl5pPr marL="1674000" indent="-216000" algn="l" defTabSz="457200" rtl="0" eaLnBrk="1" latinLnBrk="0" hangingPunct="1">
+              <a:spcBef>
+                <a:spcPct val="20000"/>
+              </a:spcBef>
+              <a:spcAft>
+                <a:spcPts val="600"/>
+              </a:spcAft>
+              <a:buClr>
+                <a:schemeClr val="tx2"/>
+              </a:buClr>
+              <a:buSzPct val="70000"/>
+              <a:buFont typeface="Wingdings 2" charset="2"/>
+              <a:buChar char=""/>
+              <a:defRPr sz="1400" kern="1200">
+                <a:ln>
+                  <a:solidFill>
+                    <a:schemeClr val="bg1">
+                      <a:lumMod val="75000"/>
+                      <a:lumOff val="25000"/>
+                      <a:alpha val="10000"/>
+                    </a:schemeClr>
+                  </a:solidFill>
+                </a:ln>
+                <a:solidFill>
+                  <a:schemeClr val="tx2"/>
+                </a:solidFill>
+                <a:effectLst>
+                  <a:outerShdw blurRad="9525" dist="25400" dir="14640000" algn="tl" rotWithShape="0">
+                    <a:schemeClr val="bg1">
+                      <a:alpha val="30000"/>
+                    </a:schemeClr>
+                  </a:outerShdw>
+                </a:effectLst>
+                <a:latin typeface="+mn-lt"/>
+                <a:ea typeface="+mn-ea"/>
+                <a:cs typeface="+mn-cs"/>
+              </a:defRPr>
+            </a:lvl5pPr>
+            <a:lvl6pPr marL="2014600" indent="-228600" algn="l" defTabSz="457200" rtl="0" eaLnBrk="1" latinLnBrk="0" hangingPunct="1">
+              <a:spcBef>
+                <a:spcPct val="20000"/>
+              </a:spcBef>
+              <a:spcAft>
+                <a:spcPts val="600"/>
+              </a:spcAft>
+              <a:buClr>
+                <a:schemeClr val="tx2"/>
+              </a:buClr>
+              <a:buSzPct val="70000"/>
+              <a:buFont typeface="Wingdings 2" charset="2"/>
+              <a:buChar char=""/>
+              <a:defRPr sz="1400" kern="1200">
+                <a:ln>
+                  <a:solidFill>
+                    <a:schemeClr val="bg1">
+                      <a:lumMod val="75000"/>
+                      <a:lumOff val="25000"/>
+                      <a:alpha val="10000"/>
+                    </a:schemeClr>
+                  </a:solidFill>
+                </a:ln>
+                <a:solidFill>
+                  <a:schemeClr val="tx2"/>
+                </a:solidFill>
+                <a:effectLst>
+                  <a:outerShdw blurRad="9525" dist="25400" dir="14640000" algn="tl" rotWithShape="0">
+                    <a:schemeClr val="bg1">
+                      <a:alpha val="30000"/>
+                    </a:schemeClr>
+                  </a:outerShdw>
+                </a:effectLst>
+                <a:latin typeface="+mn-lt"/>
+                <a:ea typeface="+mn-ea"/>
+                <a:cs typeface="+mn-cs"/>
+              </a:defRPr>
+            </a:lvl6pPr>
+            <a:lvl7pPr marL="2401800" indent="-228600" algn="l" defTabSz="457200" rtl="0" eaLnBrk="1" latinLnBrk="0" hangingPunct="1">
+              <a:spcBef>
+                <a:spcPct val="20000"/>
+              </a:spcBef>
+              <a:spcAft>
+                <a:spcPts val="600"/>
+              </a:spcAft>
+              <a:buClr>
+                <a:schemeClr val="tx2"/>
+              </a:buClr>
+              <a:buSzPct val="70000"/>
+              <a:buFont typeface="Wingdings 2" charset="2"/>
+              <a:buChar char=""/>
+              <a:defRPr sz="1400" kern="1200">
+                <a:ln>
+                  <a:solidFill>
+                    <a:schemeClr val="bg1">
+                      <a:lumMod val="75000"/>
+                      <a:lumOff val="25000"/>
+                      <a:alpha val="10000"/>
+                    </a:schemeClr>
+                  </a:solidFill>
+                </a:ln>
+                <a:solidFill>
+                  <a:schemeClr val="tx2"/>
+                </a:solidFill>
+                <a:effectLst>
+                  <a:outerShdw blurRad="9525" dist="25400" dir="14640000" algn="tl" rotWithShape="0">
+                    <a:schemeClr val="bg1">
+                      <a:alpha val="30000"/>
+                    </a:schemeClr>
+                  </a:outerShdw>
+                </a:effectLst>
+                <a:latin typeface="+mn-lt"/>
+                <a:ea typeface="+mn-ea"/>
+                <a:cs typeface="+mn-cs"/>
+              </a:defRPr>
+            </a:lvl7pPr>
+            <a:lvl8pPr marL="2789000" indent="-228600" algn="l" defTabSz="457200" rtl="0" eaLnBrk="1" latinLnBrk="0" hangingPunct="1">
+              <a:spcBef>
+                <a:spcPct val="20000"/>
+              </a:spcBef>
+              <a:spcAft>
+                <a:spcPts val="600"/>
+              </a:spcAft>
+              <a:buClr>
+                <a:schemeClr val="tx2"/>
+              </a:buClr>
+              <a:buSzPct val="70000"/>
+              <a:buFont typeface="Wingdings 2" charset="2"/>
+              <a:buChar char=""/>
+              <a:defRPr sz="1400" kern="1200">
+                <a:ln>
+                  <a:solidFill>
+                    <a:schemeClr val="bg1">
+                      <a:lumMod val="75000"/>
+                      <a:lumOff val="25000"/>
+                      <a:alpha val="10000"/>
+                    </a:schemeClr>
+                  </a:solidFill>
+                </a:ln>
+                <a:solidFill>
+                  <a:schemeClr val="tx2"/>
+                </a:solidFill>
+                <a:effectLst>
+                  <a:outerShdw blurRad="9525" dist="25400" dir="14640000" algn="tl" rotWithShape="0">
+                    <a:schemeClr val="bg1">
+                      <a:alpha val="30000"/>
+                    </a:schemeClr>
+                  </a:outerShdw>
+                </a:effectLst>
+                <a:latin typeface="+mn-lt"/>
+                <a:ea typeface="+mn-ea"/>
+                <a:cs typeface="+mn-cs"/>
+              </a:defRPr>
+            </a:lvl8pPr>
+            <a:lvl9pPr marL="3106200" indent="-228600" algn="l" defTabSz="457200" rtl="0" eaLnBrk="1" latinLnBrk="0" hangingPunct="1">
+              <a:spcBef>
+                <a:spcPct val="20000"/>
+              </a:spcBef>
+              <a:spcAft>
+                <a:spcPts val="600"/>
+              </a:spcAft>
+              <a:buClr>
+                <a:schemeClr val="tx2"/>
+              </a:buClr>
+              <a:buSzPct val="70000"/>
+              <a:buFont typeface="Wingdings 2" charset="2"/>
+              <a:buChar char=""/>
+              <a:defRPr sz="1400" kern="1200">
+                <a:ln>
+                  <a:solidFill>
+                    <a:schemeClr val="bg1">
+                      <a:lumMod val="75000"/>
+                      <a:lumOff val="25000"/>
+                      <a:alpha val="10000"/>
+                    </a:schemeClr>
+                  </a:solidFill>
+                </a:ln>
+                <a:solidFill>
+                  <a:schemeClr val="tx2"/>
+                </a:solidFill>
+                <a:effectLst>
+                  <a:outerShdw blurRad="9525" dist="25400" dir="14640000" algn="tl" rotWithShape="0">
+                    <a:schemeClr val="bg1">
+                      <a:alpha val="30000"/>
+                    </a:schemeClr>
+                  </a:outerShdw>
+                </a:effectLst>
+                <a:latin typeface="+mn-lt"/>
+                <a:ea typeface="+mn-ea"/>
+                <a:cs typeface="+mn-cs"/>
+              </a:defRPr>
+            </a:lvl9pPr>
+          </a:lstStyle>
+          <a:p>
+            <a:pPr algn="ctr"/>
+            <a:r>
+              <a:rPr lang="es-ES" sz="4400" dirty="0" smtClean="0"/>
+              <a:t>Edward</a:t>
+            </a:r>
+            <a:endParaRPr lang="es-ES" sz="4400" dirty="0"/>
           </a:p>
         </p:txBody>
       </p:sp>
     </p:spTree>
     <p:extLst>
       <p:ext uri="{BB962C8B-B14F-4D97-AF65-F5344CB8AC3E}">
-        <p14:creationId xmlns:p14="http://schemas.microsoft.com/office/powerpoint/2010/main" val="3628235617"/>
+        <p14:creationId xmlns:p14="http://schemas.microsoft.com/office/powerpoint/2010/main" val="3148850823"/>
       </p:ext>
     </p:extLst>
   </p:cSld>
@@ -8120,10 +9420,10 @@
           <a:lstStyle/>
           <a:p>
             <a:r>
-              <a:rPr lang="es-ES" smtClean="0"/>
-              <a:t>Q&amp;A</a:t>
-            </a:r>
-            <a:endParaRPr lang="es-ES"/>
+              <a:rPr lang="es-ES" dirty="0" err="1" smtClean="0"/>
+              <a:t>Implementation</a:t>
+            </a:r>
+            <a:endParaRPr lang="es-ES" dirty="0"/>
           </a:p>
         </p:txBody>
       </p:sp>
@@ -8142,14 +9442,675 @@
           <a:bodyPr/>
           <a:lstStyle/>
           <a:p>
-            <a:endParaRPr lang="es-ES"/>
+            <a:r>
+              <a:rPr lang="es-ES" dirty="0" err="1" smtClean="0"/>
+              <a:t>Model</a:t>
+            </a:r>
+            <a:r>
+              <a:rPr lang="es-ES" dirty="0" smtClean="0"/>
+              <a:t>, </a:t>
+            </a:r>
+            <a:r>
+              <a:rPr lang="es-ES" dirty="0" err="1" smtClean="0"/>
+              <a:t>train</a:t>
+            </a:r>
+            <a:r>
+              <a:rPr lang="es-ES" dirty="0" smtClean="0"/>
+              <a:t> and test</a:t>
+            </a:r>
+          </a:p>
+          <a:p>
+            <a:pPr lvl="1"/>
+            <a:r>
+              <a:rPr lang="es-ES" dirty="0" err="1" smtClean="0"/>
+              <a:t>Logits</a:t>
+            </a:r>
+            <a:r>
+              <a:rPr lang="es-ES" dirty="0" smtClean="0"/>
+              <a:t> and </a:t>
+            </a:r>
+            <a:r>
+              <a:rPr lang="es-ES" dirty="0" err="1" smtClean="0"/>
+              <a:t>logits</a:t>
+            </a:r>
+            <a:r>
+              <a:rPr lang="es-ES" dirty="0" smtClean="0"/>
+              <a:t> </a:t>
+            </a:r>
+            <a:r>
+              <a:rPr lang="es-ES" dirty="0" err="1" smtClean="0"/>
+              <a:t>soft</a:t>
+            </a:r>
+            <a:r>
+              <a:rPr lang="es-ES" dirty="0" smtClean="0"/>
+              <a:t> </a:t>
+            </a:r>
+            <a:r>
+              <a:rPr lang="es-ES" dirty="0" err="1" smtClean="0"/>
+              <a:t>issue</a:t>
+            </a:r>
+            <a:r>
+              <a:rPr lang="es-ES" dirty="0" smtClean="0"/>
+              <a:t>.</a:t>
+            </a:r>
+          </a:p>
+          <a:p>
+            <a:pPr lvl="1"/>
+            <a:r>
+              <a:rPr lang="es-ES" dirty="0" err="1" smtClean="0"/>
+              <a:t>Issue</a:t>
+            </a:r>
+            <a:r>
+              <a:rPr lang="es-ES" dirty="0" smtClean="0"/>
+              <a:t> of </a:t>
+            </a:r>
+            <a:r>
+              <a:rPr lang="es-ES" dirty="0" err="1" smtClean="0"/>
+              <a:t>dimensions</a:t>
+            </a:r>
+            <a:r>
+              <a:rPr lang="es-ES" dirty="0" smtClean="0"/>
+              <a:t> </a:t>
+            </a:r>
+            <a:r>
+              <a:rPr lang="es-ES" dirty="0" err="1" smtClean="0"/>
+              <a:t>with</a:t>
+            </a:r>
+            <a:r>
+              <a:rPr lang="es-ES" dirty="0" smtClean="0"/>
+              <a:t> </a:t>
+            </a:r>
+            <a:r>
+              <a:rPr lang="es-ES" dirty="0" err="1" smtClean="0"/>
+              <a:t>xxhixhiahu</a:t>
+            </a:r>
+            <a:r>
+              <a:rPr lang="es-ES" dirty="0" smtClean="0"/>
+              <a:t> </a:t>
+            </a:r>
+            <a:r>
+              <a:rPr lang="es-ES" dirty="0" err="1" smtClean="0"/>
+              <a:t>binary</a:t>
+            </a:r>
+            <a:r>
+              <a:rPr lang="es-ES" dirty="0" smtClean="0"/>
+              <a:t> </a:t>
+            </a:r>
+            <a:r>
+              <a:rPr lang="es-ES" dirty="0" err="1" smtClean="0"/>
+              <a:t>represaentation</a:t>
+            </a:r>
+            <a:r>
+              <a:rPr lang="es-ES" dirty="0" smtClean="0"/>
+              <a:t>.</a:t>
+            </a:r>
+            <a:endParaRPr lang="es-ES" dirty="0"/>
+          </a:p>
+        </p:txBody>
+      </p:sp>
+      <p:sp>
+        <p:nvSpPr>
+          <p:cNvPr id="4" name="Content Placeholder 2"/>
+          <p:cNvSpPr txBox="1">
+            <a:spLocks/>
+          </p:cNvSpPr>
+          <p:nvPr/>
+        </p:nvSpPr>
+        <p:spPr>
+          <a:xfrm>
+            <a:off x="1066195" y="3793402"/>
+            <a:ext cx="9490146" cy="2150198"/>
+          </a:xfrm>
+          <a:prstGeom prst="rect">
+            <a:avLst/>
+          </a:prstGeom>
+          <a:effectLst>
+            <a:outerShdw blurRad="25400" dir="17880000">
+              <a:srgbClr val="000000">
+                <a:alpha val="46000"/>
+              </a:srgbClr>
+            </a:outerShdw>
+          </a:effectLst>
+        </p:spPr>
+        <p:txBody>
+          <a:bodyPr vert="horz" lIns="91440" tIns="45720" rIns="91440" bIns="45720" rtlCol="0" anchor="t">
+            <a:normAutofit/>
+          </a:bodyPr>
+          <a:lstStyle>
+            <a:lvl1pPr marL="342900" indent="-306000" algn="l" defTabSz="457200" rtl="0" eaLnBrk="1" latinLnBrk="0" hangingPunct="1">
+              <a:spcBef>
+                <a:spcPct val="20000"/>
+              </a:spcBef>
+              <a:spcAft>
+                <a:spcPts val="600"/>
+              </a:spcAft>
+              <a:buClr>
+                <a:schemeClr val="tx2"/>
+              </a:buClr>
+              <a:buSzPct val="70000"/>
+              <a:buFont typeface="Wingdings 2" charset="2"/>
+              <a:buChar char=""/>
+              <a:defRPr sz="2000" kern="1200">
+                <a:ln>
+                  <a:solidFill>
+                    <a:schemeClr val="bg1">
+                      <a:lumMod val="75000"/>
+                      <a:lumOff val="25000"/>
+                      <a:alpha val="10000"/>
+                    </a:schemeClr>
+                  </a:solidFill>
+                </a:ln>
+                <a:solidFill>
+                  <a:schemeClr val="tx2"/>
+                </a:solidFill>
+                <a:effectLst>
+                  <a:outerShdw blurRad="9525" dist="25400" dir="14640000" algn="tl" rotWithShape="0">
+                    <a:schemeClr val="bg1">
+                      <a:alpha val="30000"/>
+                    </a:schemeClr>
+                  </a:outerShdw>
+                </a:effectLst>
+                <a:latin typeface="+mn-lt"/>
+                <a:ea typeface="+mn-ea"/>
+                <a:cs typeface="+mn-cs"/>
+              </a:defRPr>
+            </a:lvl1pPr>
+            <a:lvl2pPr marL="720000" indent="-270000" algn="l" defTabSz="457200" rtl="0" eaLnBrk="1" latinLnBrk="0" hangingPunct="1">
+              <a:spcBef>
+                <a:spcPct val="20000"/>
+              </a:spcBef>
+              <a:spcAft>
+                <a:spcPts val="600"/>
+              </a:spcAft>
+              <a:buClr>
+                <a:schemeClr val="tx2"/>
+              </a:buClr>
+              <a:buSzPct val="70000"/>
+              <a:buFont typeface="Wingdings 2" charset="2"/>
+              <a:buChar char=""/>
+              <a:defRPr sz="1800" kern="1200">
+                <a:ln>
+                  <a:solidFill>
+                    <a:schemeClr val="bg1">
+                      <a:lumMod val="75000"/>
+                      <a:lumOff val="25000"/>
+                      <a:alpha val="10000"/>
+                    </a:schemeClr>
+                  </a:solidFill>
+                </a:ln>
+                <a:solidFill>
+                  <a:schemeClr val="tx2"/>
+                </a:solidFill>
+                <a:effectLst>
+                  <a:outerShdw blurRad="9525" dist="25400" dir="14640000" algn="tl" rotWithShape="0">
+                    <a:schemeClr val="bg1">
+                      <a:alpha val="30000"/>
+                    </a:schemeClr>
+                  </a:outerShdw>
+                </a:effectLst>
+                <a:latin typeface="+mn-lt"/>
+                <a:ea typeface="+mn-ea"/>
+                <a:cs typeface="+mn-cs"/>
+              </a:defRPr>
+            </a:lvl2pPr>
+            <a:lvl3pPr marL="1026000" indent="-216000" algn="l" defTabSz="457200" rtl="0" eaLnBrk="1" latinLnBrk="0" hangingPunct="1">
+              <a:spcBef>
+                <a:spcPct val="20000"/>
+              </a:spcBef>
+              <a:spcAft>
+                <a:spcPts val="600"/>
+              </a:spcAft>
+              <a:buClr>
+                <a:schemeClr val="tx2"/>
+              </a:buClr>
+              <a:buSzPct val="70000"/>
+              <a:buFont typeface="Wingdings 2" charset="2"/>
+              <a:buChar char=""/>
+              <a:defRPr sz="1600" kern="1200">
+                <a:ln>
+                  <a:solidFill>
+                    <a:schemeClr val="bg1">
+                      <a:lumMod val="75000"/>
+                      <a:lumOff val="25000"/>
+                      <a:alpha val="10000"/>
+                    </a:schemeClr>
+                  </a:solidFill>
+                </a:ln>
+                <a:solidFill>
+                  <a:schemeClr val="tx2"/>
+                </a:solidFill>
+                <a:effectLst>
+                  <a:outerShdw blurRad="9525" dist="25400" dir="14640000" algn="tl" rotWithShape="0">
+                    <a:schemeClr val="bg1">
+                      <a:alpha val="30000"/>
+                    </a:schemeClr>
+                  </a:outerShdw>
+                </a:effectLst>
+                <a:latin typeface="+mn-lt"/>
+                <a:ea typeface="+mn-ea"/>
+                <a:cs typeface="+mn-cs"/>
+              </a:defRPr>
+            </a:lvl3pPr>
+            <a:lvl4pPr marL="1386000" indent="-216000" algn="l" defTabSz="457200" rtl="0" eaLnBrk="1" latinLnBrk="0" hangingPunct="1">
+              <a:spcBef>
+                <a:spcPct val="20000"/>
+              </a:spcBef>
+              <a:spcAft>
+                <a:spcPts val="600"/>
+              </a:spcAft>
+              <a:buClr>
+                <a:schemeClr val="tx2"/>
+              </a:buClr>
+              <a:buSzPct val="70000"/>
+              <a:buFont typeface="Wingdings 2" charset="2"/>
+              <a:buChar char=""/>
+              <a:defRPr sz="1400" kern="1200">
+                <a:ln>
+                  <a:solidFill>
+                    <a:schemeClr val="bg1">
+                      <a:lumMod val="75000"/>
+                      <a:lumOff val="25000"/>
+                      <a:alpha val="10000"/>
+                    </a:schemeClr>
+                  </a:solidFill>
+                </a:ln>
+                <a:solidFill>
+                  <a:schemeClr val="tx2"/>
+                </a:solidFill>
+                <a:effectLst>
+                  <a:outerShdw blurRad="9525" dist="25400" dir="14640000" algn="tl" rotWithShape="0">
+                    <a:schemeClr val="bg1">
+                      <a:alpha val="30000"/>
+                    </a:schemeClr>
+                  </a:outerShdw>
+                </a:effectLst>
+                <a:latin typeface="+mn-lt"/>
+                <a:ea typeface="+mn-ea"/>
+                <a:cs typeface="+mn-cs"/>
+              </a:defRPr>
+            </a:lvl4pPr>
+            <a:lvl5pPr marL="1674000" indent="-216000" algn="l" defTabSz="457200" rtl="0" eaLnBrk="1" latinLnBrk="0" hangingPunct="1">
+              <a:spcBef>
+                <a:spcPct val="20000"/>
+              </a:spcBef>
+              <a:spcAft>
+                <a:spcPts val="600"/>
+              </a:spcAft>
+              <a:buClr>
+                <a:schemeClr val="tx2"/>
+              </a:buClr>
+              <a:buSzPct val="70000"/>
+              <a:buFont typeface="Wingdings 2" charset="2"/>
+              <a:buChar char=""/>
+              <a:defRPr sz="1400" kern="1200">
+                <a:ln>
+                  <a:solidFill>
+                    <a:schemeClr val="bg1">
+                      <a:lumMod val="75000"/>
+                      <a:lumOff val="25000"/>
+                      <a:alpha val="10000"/>
+                    </a:schemeClr>
+                  </a:solidFill>
+                </a:ln>
+                <a:solidFill>
+                  <a:schemeClr val="tx2"/>
+                </a:solidFill>
+                <a:effectLst>
+                  <a:outerShdw blurRad="9525" dist="25400" dir="14640000" algn="tl" rotWithShape="0">
+                    <a:schemeClr val="bg1">
+                      <a:alpha val="30000"/>
+                    </a:schemeClr>
+                  </a:outerShdw>
+                </a:effectLst>
+                <a:latin typeface="+mn-lt"/>
+                <a:ea typeface="+mn-ea"/>
+                <a:cs typeface="+mn-cs"/>
+              </a:defRPr>
+            </a:lvl5pPr>
+            <a:lvl6pPr marL="2014600" indent="-228600" algn="l" defTabSz="457200" rtl="0" eaLnBrk="1" latinLnBrk="0" hangingPunct="1">
+              <a:spcBef>
+                <a:spcPct val="20000"/>
+              </a:spcBef>
+              <a:spcAft>
+                <a:spcPts val="600"/>
+              </a:spcAft>
+              <a:buClr>
+                <a:schemeClr val="tx2"/>
+              </a:buClr>
+              <a:buSzPct val="70000"/>
+              <a:buFont typeface="Wingdings 2" charset="2"/>
+              <a:buChar char=""/>
+              <a:defRPr sz="1400" kern="1200">
+                <a:ln>
+                  <a:solidFill>
+                    <a:schemeClr val="bg1">
+                      <a:lumMod val="75000"/>
+                      <a:lumOff val="25000"/>
+                      <a:alpha val="10000"/>
+                    </a:schemeClr>
+                  </a:solidFill>
+                </a:ln>
+                <a:solidFill>
+                  <a:schemeClr val="tx2"/>
+                </a:solidFill>
+                <a:effectLst>
+                  <a:outerShdw blurRad="9525" dist="25400" dir="14640000" algn="tl" rotWithShape="0">
+                    <a:schemeClr val="bg1">
+                      <a:alpha val="30000"/>
+                    </a:schemeClr>
+                  </a:outerShdw>
+                </a:effectLst>
+                <a:latin typeface="+mn-lt"/>
+                <a:ea typeface="+mn-ea"/>
+                <a:cs typeface="+mn-cs"/>
+              </a:defRPr>
+            </a:lvl6pPr>
+            <a:lvl7pPr marL="2401800" indent="-228600" algn="l" defTabSz="457200" rtl="0" eaLnBrk="1" latinLnBrk="0" hangingPunct="1">
+              <a:spcBef>
+                <a:spcPct val="20000"/>
+              </a:spcBef>
+              <a:spcAft>
+                <a:spcPts val="600"/>
+              </a:spcAft>
+              <a:buClr>
+                <a:schemeClr val="tx2"/>
+              </a:buClr>
+              <a:buSzPct val="70000"/>
+              <a:buFont typeface="Wingdings 2" charset="2"/>
+              <a:buChar char=""/>
+              <a:defRPr sz="1400" kern="1200">
+                <a:ln>
+                  <a:solidFill>
+                    <a:schemeClr val="bg1">
+                      <a:lumMod val="75000"/>
+                      <a:lumOff val="25000"/>
+                      <a:alpha val="10000"/>
+                    </a:schemeClr>
+                  </a:solidFill>
+                </a:ln>
+                <a:solidFill>
+                  <a:schemeClr val="tx2"/>
+                </a:solidFill>
+                <a:effectLst>
+                  <a:outerShdw blurRad="9525" dist="25400" dir="14640000" algn="tl" rotWithShape="0">
+                    <a:schemeClr val="bg1">
+                      <a:alpha val="30000"/>
+                    </a:schemeClr>
+                  </a:outerShdw>
+                </a:effectLst>
+                <a:latin typeface="+mn-lt"/>
+                <a:ea typeface="+mn-ea"/>
+                <a:cs typeface="+mn-cs"/>
+              </a:defRPr>
+            </a:lvl7pPr>
+            <a:lvl8pPr marL="2789000" indent="-228600" algn="l" defTabSz="457200" rtl="0" eaLnBrk="1" latinLnBrk="0" hangingPunct="1">
+              <a:spcBef>
+                <a:spcPct val="20000"/>
+              </a:spcBef>
+              <a:spcAft>
+                <a:spcPts val="600"/>
+              </a:spcAft>
+              <a:buClr>
+                <a:schemeClr val="tx2"/>
+              </a:buClr>
+              <a:buSzPct val="70000"/>
+              <a:buFont typeface="Wingdings 2" charset="2"/>
+              <a:buChar char=""/>
+              <a:defRPr sz="1400" kern="1200">
+                <a:ln>
+                  <a:solidFill>
+                    <a:schemeClr val="bg1">
+                      <a:lumMod val="75000"/>
+                      <a:lumOff val="25000"/>
+                      <a:alpha val="10000"/>
+                    </a:schemeClr>
+                  </a:solidFill>
+                </a:ln>
+                <a:solidFill>
+                  <a:schemeClr val="tx2"/>
+                </a:solidFill>
+                <a:effectLst>
+                  <a:outerShdw blurRad="9525" dist="25400" dir="14640000" algn="tl" rotWithShape="0">
+                    <a:schemeClr val="bg1">
+                      <a:alpha val="30000"/>
+                    </a:schemeClr>
+                  </a:outerShdw>
+                </a:effectLst>
+                <a:latin typeface="+mn-lt"/>
+                <a:ea typeface="+mn-ea"/>
+                <a:cs typeface="+mn-cs"/>
+              </a:defRPr>
+            </a:lvl8pPr>
+            <a:lvl9pPr marL="3106200" indent="-228600" algn="l" defTabSz="457200" rtl="0" eaLnBrk="1" latinLnBrk="0" hangingPunct="1">
+              <a:spcBef>
+                <a:spcPct val="20000"/>
+              </a:spcBef>
+              <a:spcAft>
+                <a:spcPts val="600"/>
+              </a:spcAft>
+              <a:buClr>
+                <a:schemeClr val="tx2"/>
+              </a:buClr>
+              <a:buSzPct val="70000"/>
+              <a:buFont typeface="Wingdings 2" charset="2"/>
+              <a:buChar char=""/>
+              <a:defRPr sz="1400" kern="1200">
+                <a:ln>
+                  <a:solidFill>
+                    <a:schemeClr val="bg1">
+                      <a:lumMod val="75000"/>
+                      <a:lumOff val="25000"/>
+                      <a:alpha val="10000"/>
+                    </a:schemeClr>
+                  </a:solidFill>
+                </a:ln>
+                <a:solidFill>
+                  <a:schemeClr val="tx2"/>
+                </a:solidFill>
+                <a:effectLst>
+                  <a:outerShdw blurRad="9525" dist="25400" dir="14640000" algn="tl" rotWithShape="0">
+                    <a:schemeClr val="bg1">
+                      <a:alpha val="30000"/>
+                    </a:schemeClr>
+                  </a:outerShdw>
+                </a:effectLst>
+                <a:latin typeface="+mn-lt"/>
+                <a:ea typeface="+mn-ea"/>
+                <a:cs typeface="+mn-cs"/>
+              </a:defRPr>
+            </a:lvl9pPr>
+          </a:lstStyle>
+          <a:p>
+            <a:pPr algn="ctr"/>
+            <a:r>
+              <a:rPr lang="es-ES" sz="4400" dirty="0" smtClean="0"/>
+              <a:t>Edward</a:t>
+            </a:r>
+            <a:endParaRPr lang="es-ES" sz="4400" dirty="0"/>
           </a:p>
         </p:txBody>
       </p:sp>
     </p:spTree>
     <p:extLst>
       <p:ext uri="{BB962C8B-B14F-4D97-AF65-F5344CB8AC3E}">
-        <p14:creationId xmlns:p14="http://schemas.microsoft.com/office/powerpoint/2010/main" val="2666091637"/>
+        <p14:creationId xmlns:p14="http://schemas.microsoft.com/office/powerpoint/2010/main" val="4210180295"/>
+      </p:ext>
+    </p:extLst>
+  </p:cSld>
+  <p:clrMapOvr>
+    <a:masterClrMapping/>
+  </p:clrMapOvr>
+  <p:timing>
+    <p:tnLst>
+      <p:par>
+        <p:cTn id="1" dur="indefinite" restart="never" nodeType="tmRoot"/>
+      </p:par>
+    </p:tnLst>
+  </p:timing>
+</p:sld>
+</file>
+
+<file path=ppt/slides/slide9.xml><?xml version="1.0" encoding="utf-8"?>
+<p:sld xmlns:a="http://schemas.openxmlformats.org/drawingml/2006/main" xmlns:r="http://schemas.openxmlformats.org/officeDocument/2006/relationships" xmlns:p="http://schemas.openxmlformats.org/presentationml/2006/main">
+  <p:cSld>
+    <p:spTree>
+      <p:nvGrpSpPr>
+        <p:cNvPr id="1" name=""/>
+        <p:cNvGrpSpPr/>
+        <p:nvPr/>
+      </p:nvGrpSpPr>
+      <p:grpSpPr>
+        <a:xfrm>
+          <a:off x="0" y="0"/>
+          <a:ext cx="0" cy="0"/>
+          <a:chOff x="0" y="0"/>
+          <a:chExt cx="0" cy="0"/>
+        </a:xfrm>
+      </p:grpSpPr>
+      <p:sp>
+        <p:nvSpPr>
+          <p:cNvPr id="2" name="Title 1"/>
+          <p:cNvSpPr>
+            <a:spLocks noGrp="1"/>
+          </p:cNvSpPr>
+          <p:nvPr>
+            <p:ph type="title"/>
+          </p:nvPr>
+        </p:nvSpPr>
+        <p:spPr/>
+        <p:txBody>
+          <a:bodyPr/>
+          <a:lstStyle/>
+          <a:p>
+            <a:r>
+              <a:rPr lang="es-ES" dirty="0" err="1" smtClean="0"/>
+              <a:t>Experiments</a:t>
+            </a:r>
+            <a:endParaRPr lang="es-ES" dirty="0"/>
+          </a:p>
+        </p:txBody>
+      </p:sp>
+      <p:sp>
+        <p:nvSpPr>
+          <p:cNvPr id="3" name="Content Placeholder 2"/>
+          <p:cNvSpPr>
+            <a:spLocks noGrp="1"/>
+          </p:cNvSpPr>
+          <p:nvPr>
+            <p:ph idx="1"/>
+          </p:nvPr>
+        </p:nvSpPr>
+        <p:spPr/>
+        <p:txBody>
+          <a:bodyPr/>
+          <a:lstStyle/>
+          <a:p>
+            <a:r>
+              <a:rPr lang="es-ES" dirty="0" err="1" smtClean="0"/>
+              <a:t>List</a:t>
+            </a:r>
+            <a:r>
+              <a:rPr lang="es-ES" dirty="0" smtClean="0"/>
+              <a:t> and </a:t>
+            </a:r>
+            <a:r>
+              <a:rPr lang="es-ES" dirty="0" err="1" smtClean="0"/>
+              <a:t>brief</a:t>
+            </a:r>
+            <a:r>
+              <a:rPr lang="es-ES" dirty="0" smtClean="0"/>
+              <a:t> </a:t>
+            </a:r>
+            <a:r>
+              <a:rPr lang="es-ES" dirty="0" err="1" smtClean="0"/>
+              <a:t>explanation</a:t>
+            </a:r>
+            <a:r>
+              <a:rPr lang="es-ES" dirty="0" smtClean="0"/>
+              <a:t> of </a:t>
+            </a:r>
+            <a:r>
+              <a:rPr lang="es-ES" dirty="0" err="1" smtClean="0"/>
+              <a:t>all</a:t>
+            </a:r>
+            <a:r>
+              <a:rPr lang="es-ES" dirty="0" smtClean="0"/>
+              <a:t> </a:t>
+            </a:r>
+            <a:r>
+              <a:rPr lang="es-ES" dirty="0" err="1" smtClean="0"/>
+              <a:t>the</a:t>
+            </a:r>
+            <a:r>
+              <a:rPr lang="es-ES" dirty="0" smtClean="0"/>
+              <a:t> </a:t>
+            </a:r>
+            <a:r>
+              <a:rPr lang="es-ES" dirty="0" err="1" smtClean="0"/>
+              <a:t>experiments</a:t>
+            </a:r>
+            <a:r>
+              <a:rPr lang="es-ES" dirty="0" smtClean="0"/>
+              <a:t> </a:t>
+            </a:r>
+            <a:r>
+              <a:rPr lang="es-ES" dirty="0" err="1" smtClean="0"/>
+              <a:t>we</a:t>
+            </a:r>
+            <a:r>
+              <a:rPr lang="es-ES" dirty="0" smtClean="0"/>
+              <a:t> </a:t>
+            </a:r>
+            <a:r>
+              <a:rPr lang="es-ES" dirty="0" err="1" smtClean="0"/>
+              <a:t>have</a:t>
+            </a:r>
+            <a:r>
+              <a:rPr lang="es-ES" dirty="0" smtClean="0"/>
+              <a:t> done.</a:t>
+            </a:r>
+          </a:p>
+          <a:p>
+            <a:pPr lvl="1"/>
+            <a:endParaRPr lang="es-ES" dirty="0" smtClean="0"/>
+          </a:p>
+          <a:p>
+            <a:pPr lvl="1"/>
+            <a:endParaRPr lang="es-ES" dirty="0"/>
+          </a:p>
+          <a:p>
+            <a:pPr lvl="1"/>
+            <a:r>
+              <a:rPr lang="es-ES" dirty="0" err="1" smtClean="0"/>
+              <a:t>Photos</a:t>
+            </a:r>
+            <a:endParaRPr lang="es-ES" dirty="0" smtClean="0"/>
+          </a:p>
+          <a:p>
+            <a:pPr lvl="1"/>
+            <a:endParaRPr lang="es-ES" dirty="0"/>
+          </a:p>
+          <a:p>
+            <a:pPr lvl="1"/>
+            <a:endParaRPr lang="es-ES" dirty="0" smtClean="0"/>
+          </a:p>
+          <a:p>
+            <a:pPr lvl="5"/>
+            <a:r>
+              <a:rPr lang="es-ES" sz="4800" dirty="0" smtClean="0"/>
+              <a:t>AITOR</a:t>
+            </a:r>
+            <a:endParaRPr lang="es-ES" sz="4800" dirty="0"/>
+          </a:p>
+          <a:p>
+            <a:endParaRPr lang="es-ES" dirty="0" smtClean="0"/>
+          </a:p>
+        </p:txBody>
+      </p:sp>
+    </p:spTree>
+    <p:extLst>
+      <p:ext uri="{BB962C8B-B14F-4D97-AF65-F5344CB8AC3E}">
+        <p14:creationId xmlns:p14="http://schemas.microsoft.com/office/powerpoint/2010/main" val="16644805"/>
       </p:ext>
     </p:extLst>
   </p:cSld>
@@ -8402,7 +10363,7 @@
   <a:extraClrSchemeLst/>
   <a:extLst>
     <a:ext uri="{05A4C25C-085E-4340-85A3-A5531E510DB2}">
-      <thm15:themeFamily xmlns="" xmlns:thm15="http://schemas.microsoft.com/office/thememl/2012/main" name="Slate" id="{C3F70B94-7CE9-428E-ADC1-3269CC2C3385}" vid="{43372978-11FE-4814-AC26-BC300187D8C7}"/>
+      <thm15:themeFamily xmlns:thm15="http://schemas.microsoft.com/office/thememl/2012/main" name="Slate" id="{C3F70B94-7CE9-428E-ADC1-3269CC2C3385}" vid="{43372978-11FE-4814-AC26-BC300187D8C7}"/>
     </a:ext>
   </a:extLst>
 </a:theme>
